--- a/Presentation/RAILWAY Presentation2.pptx
+++ b/Presentation/RAILWAY Presentation2.pptx
@@ -8,10 +8,9 @@
     <p:sldId id="256" r:id="rId2"/>
     <p:sldId id="257" r:id="rId3"/>
     <p:sldId id="258" r:id="rId4"/>
-    <p:sldId id="260" r:id="rId5"/>
-    <p:sldId id="262" r:id="rId6"/>
-    <p:sldId id="259" r:id="rId7"/>
-    <p:sldId id="263" r:id="rId8"/>
+    <p:sldId id="262" r:id="rId5"/>
+    <p:sldId id="259" r:id="rId6"/>
+    <p:sldId id="263" r:id="rId7"/>
   </p:sldIdLst>
   <p:sldSz cx="12192000" cy="6858000"/>
   <p:notesSz cx="6858000" cy="9144000"/>
@@ -288,7 +287,7 @@
           <a:p>
             <a:fld id="{48A87A34-81AB-432B-8DAE-1953F412C126}" type="datetimeFigureOut">
               <a:rPr lang="en-US" dirty="0"/>
-              <a:t>3/16/21</a:t>
+              <a:t>3/17/21</a:t>
             </a:fld>
             <a:endParaRPr lang="en-US" dirty="0"/>
           </a:p>
@@ -550,7 +549,7 @@
           <a:p>
             <a:fld id="{48A87A34-81AB-432B-8DAE-1953F412C126}" type="datetimeFigureOut">
               <a:rPr lang="en-US" dirty="0"/>
-              <a:t>3/16/21</a:t>
+              <a:t>3/17/21</a:t>
             </a:fld>
             <a:endParaRPr lang="en-US" dirty="0"/>
           </a:p>
@@ -777,7 +776,7 @@
             <a:fld id="{48A87A34-81AB-432B-8DAE-1953F412C126}" type="datetimeFigureOut">
               <a:rPr lang="en-US" dirty="0"/>
               <a:pPr/>
-              <a:t>3/16/21</a:t>
+              <a:t>3/17/21</a:t>
             </a:fld>
             <a:endParaRPr lang="en-US" dirty="0"/>
           </a:p>
@@ -1083,7 +1082,7 @@
             <a:fld id="{48A87A34-81AB-432B-8DAE-1953F412C126}" type="datetimeFigureOut">
               <a:rPr lang="en-US" dirty="0"/>
               <a:pPr/>
-              <a:t>3/16/21</a:t>
+              <a:t>3/17/21</a:t>
             </a:fld>
             <a:endParaRPr lang="en-US" dirty="0"/>
           </a:p>
@@ -1552,7 +1551,7 @@
             <a:fld id="{48A87A34-81AB-432B-8DAE-1953F412C126}" type="datetimeFigureOut">
               <a:rPr lang="en-US" dirty="0"/>
               <a:pPr/>
-              <a:t>3/16/21</a:t>
+              <a:t>3/17/21</a:t>
             </a:fld>
             <a:endParaRPr lang="en-US" dirty="0"/>
           </a:p>
@@ -2094,7 +2093,7 @@
           <a:p>
             <a:fld id="{48A87A34-81AB-432B-8DAE-1953F412C126}" type="datetimeFigureOut">
               <a:rPr lang="en-US" dirty="0"/>
-              <a:t>3/16/21</a:t>
+              <a:t>3/17/21</a:t>
             </a:fld>
             <a:endParaRPr lang="en-US" dirty="0"/>
           </a:p>
@@ -2863,7 +2862,7 @@
           <a:p>
             <a:fld id="{48A87A34-81AB-432B-8DAE-1953F412C126}" type="datetimeFigureOut">
               <a:rPr lang="en-US" dirty="0"/>
-              <a:t>3/16/21</a:t>
+              <a:t>3/17/21</a:t>
             </a:fld>
             <a:endParaRPr lang="en-US" dirty="0"/>
           </a:p>
@@ -3033,7 +3032,7 @@
           <a:p>
             <a:fld id="{48A87A34-81AB-432B-8DAE-1953F412C126}" type="datetimeFigureOut">
               <a:rPr lang="en-US" dirty="0"/>
-              <a:t>3/16/21</a:t>
+              <a:t>3/17/21</a:t>
             </a:fld>
             <a:endParaRPr lang="en-US" dirty="0"/>
           </a:p>
@@ -3252,7 +3251,7 @@
             <a:fld id="{48A87A34-81AB-432B-8DAE-1953F412C126}" type="datetimeFigureOut">
               <a:rPr lang="en-US" dirty="0"/>
               <a:pPr/>
-              <a:t>3/16/21</a:t>
+              <a:t>3/17/21</a:t>
             </a:fld>
             <a:endParaRPr lang="en-US" dirty="0"/>
           </a:p>
@@ -3427,7 +3426,7 @@
           <a:p>
             <a:fld id="{48A87A34-81AB-432B-8DAE-1953F412C126}" type="datetimeFigureOut">
               <a:rPr lang="en-US" dirty="0"/>
-              <a:t>3/16/21</a:t>
+              <a:t>3/17/21</a:t>
             </a:fld>
             <a:endParaRPr lang="en-US" dirty="0"/>
           </a:p>
@@ -3712,7 +3711,7 @@
             <a:fld id="{48A87A34-81AB-432B-8DAE-1953F412C126}" type="datetimeFigureOut">
               <a:rPr lang="en-US" dirty="0"/>
               <a:pPr/>
-              <a:t>3/16/21</a:t>
+              <a:t>3/17/21</a:t>
             </a:fld>
             <a:endParaRPr lang="en-US" dirty="0"/>
           </a:p>
@@ -3949,7 +3948,7 @@
           <a:p>
             <a:fld id="{48A87A34-81AB-432B-8DAE-1953F412C126}" type="datetimeFigureOut">
               <a:rPr lang="en-US" dirty="0"/>
-              <a:t>3/16/21</a:t>
+              <a:t>3/17/21</a:t>
             </a:fld>
             <a:endParaRPr lang="en-US" dirty="0"/>
           </a:p>
@@ -4323,7 +4322,7 @@
           <a:p>
             <a:fld id="{48A87A34-81AB-432B-8DAE-1953F412C126}" type="datetimeFigureOut">
               <a:rPr lang="en-US" dirty="0"/>
-              <a:t>3/16/21</a:t>
+              <a:t>3/17/21</a:t>
             </a:fld>
             <a:endParaRPr lang="en-US" dirty="0"/>
           </a:p>
@@ -4436,7 +4435,7 @@
           <a:p>
             <a:fld id="{48A87A34-81AB-432B-8DAE-1953F412C126}" type="datetimeFigureOut">
               <a:rPr lang="en-US" dirty="0"/>
-              <a:t>3/16/21</a:t>
+              <a:t>3/17/21</a:t>
             </a:fld>
             <a:endParaRPr lang="en-US" dirty="0"/>
           </a:p>
@@ -4526,7 +4525,7 @@
           <a:p>
             <a:fld id="{48A87A34-81AB-432B-8DAE-1953F412C126}" type="datetimeFigureOut">
               <a:rPr lang="en-US" dirty="0"/>
-              <a:t>3/16/21</a:t>
+              <a:t>3/17/21</a:t>
             </a:fld>
             <a:endParaRPr lang="en-US" dirty="0"/>
           </a:p>
@@ -4770,7 +4769,7 @@
           <a:p>
             <a:fld id="{48A87A34-81AB-432B-8DAE-1953F412C126}" type="datetimeFigureOut">
               <a:rPr lang="en-US" dirty="0"/>
-              <a:t>3/16/21</a:t>
+              <a:t>3/17/21</a:t>
             </a:fld>
             <a:endParaRPr lang="en-US" dirty="0"/>
           </a:p>
@@ -5022,7 +5021,7 @@
           <a:p>
             <a:fld id="{48A87A34-81AB-432B-8DAE-1953F412C126}" type="datetimeFigureOut">
               <a:rPr lang="en-US" dirty="0"/>
-              <a:t>3/16/21</a:t>
+              <a:t>3/17/21</a:t>
             </a:fld>
             <a:endParaRPr lang="en-US" dirty="0"/>
           </a:p>
@@ -5261,7 +5260,7 @@
             <a:fld id="{48A87A34-81AB-432B-8DAE-1953F412C126}" type="datetimeFigureOut">
               <a:rPr lang="en-US" dirty="0"/>
               <a:pPr/>
-              <a:t>3/16/21</a:t>
+              <a:t>3/17/21</a:t>
             </a:fld>
             <a:endParaRPr lang="en-US" dirty="0"/>
           </a:p>
@@ -6490,40 +6489,277 @@
           <a:chExt cx="0" cy="0"/>
         </a:xfrm>
       </p:grpSpPr>
-      <p:pic>
-        <p:nvPicPr>
-          <p:cNvPr id="13" name="Picture 12">
+      <p:sp>
+        <p:nvSpPr>
+          <p:cNvPr id="2" name="Title 1">
             <a:extLst>
               <a:ext uri="{FF2B5EF4-FFF2-40B4-BE49-F238E27FC236}">
-                <a16:creationId xmlns:a16="http://schemas.microsoft.com/office/drawing/2014/main" id="{3F6BAE8F-3029-1041-8AE8-A9F78DA6E409}"/>
+                <a16:creationId xmlns:a16="http://schemas.microsoft.com/office/drawing/2014/main" id="{7E5A28D8-ED57-AE4C-94BB-8CCAE47F2037}"/>
               </a:ext>
             </a:extLst>
           </p:cNvPr>
-          <p:cNvPicPr>
-            <a:picLocks noChangeAspect="1"/>
-          </p:cNvPicPr>
+          <p:cNvSpPr>
+            <a:spLocks noGrp="1"/>
+          </p:cNvSpPr>
+          <p:nvPr>
+            <p:ph type="title"/>
+          </p:nvPr>
+        </p:nvSpPr>
+        <p:spPr/>
+        <p:txBody>
+          <a:bodyPr/>
+          <a:lstStyle/>
+          <a:p>
+            <a:pPr algn="ctr"/>
+            <a:r>
+              <a:rPr lang="en-US" sz="4400" i="1" u="sng" dirty="0"/>
+              <a:t>Technologies</a:t>
+            </a:r>
+            <a:endParaRPr lang="en-US" i="1" u="sng" dirty="0"/>
+          </a:p>
+        </p:txBody>
+      </p:sp>
+      <p:sp>
+        <p:nvSpPr>
+          <p:cNvPr id="3" name="Content Placeholder 2">
+            <a:extLst>
+              <a:ext uri="{FF2B5EF4-FFF2-40B4-BE49-F238E27FC236}">
+                <a16:creationId xmlns:a16="http://schemas.microsoft.com/office/drawing/2014/main" id="{3BC8642E-F134-EB49-A4EB-2268391BD792}"/>
+              </a:ext>
+            </a:extLst>
+          </p:cNvPr>
+          <p:cNvSpPr>
+            <a:spLocks noGrp="1"/>
+          </p:cNvSpPr>
+          <p:nvPr>
+            <p:ph idx="1"/>
+          </p:nvPr>
+        </p:nvSpPr>
+        <p:spPr>
+          <a:xfrm>
+            <a:off x="1277006" y="2664372"/>
+            <a:ext cx="10229193" cy="3042745"/>
+          </a:xfrm>
+        </p:spPr>
+        <p:txBody>
+          <a:bodyPr/>
+          <a:lstStyle/>
+          <a:p>
+            <a:endParaRPr lang="en-US" dirty="0"/>
+          </a:p>
+        </p:txBody>
+      </p:sp>
+      <p:sp>
+        <p:nvSpPr>
+          <p:cNvPr id="4" name="Oval 3">
+            <a:extLst>
+              <a:ext uri="{FF2B5EF4-FFF2-40B4-BE49-F238E27FC236}">
+                <a16:creationId xmlns:a16="http://schemas.microsoft.com/office/drawing/2014/main" id="{B2575A16-4F73-8948-AF64-46C90368DD47}"/>
+              </a:ext>
+            </a:extLst>
+          </p:cNvPr>
+          <p:cNvSpPr/>
           <p:nvPr/>
-        </p:nvPicPr>
-        <p:blipFill>
-          <a:blip r:embed="rId2"/>
-          <a:stretch>
-            <a:fillRect/>
-          </a:stretch>
-        </p:blipFill>
-        <p:spPr>
-          <a:xfrm>
-            <a:off x="311426" y="0"/>
-            <a:ext cx="11569147" cy="4382604"/>
-          </a:xfrm>
-          <a:prstGeom prst="rect">
+        </p:nvSpPr>
+        <p:spPr>
+          <a:xfrm>
+            <a:off x="1667377" y="3130217"/>
+            <a:ext cx="2237873" cy="2015654"/>
+          </a:xfrm>
+          <a:prstGeom prst="ellipse">
             <a:avLst/>
           </a:prstGeom>
-        </p:spPr>
-      </p:pic>
+          <a:solidFill>
+            <a:srgbClr val="00B0F0"/>
+          </a:solidFill>
+          <a:ln>
+            <a:solidFill>
+              <a:srgbClr val="00B0F0"/>
+            </a:solidFill>
+          </a:ln>
+        </p:spPr>
+        <p:style>
+          <a:lnRef idx="2">
+            <a:schemeClr val="accent1">
+              <a:shade val="50000"/>
+            </a:schemeClr>
+          </a:lnRef>
+          <a:fillRef idx="1">
+            <a:schemeClr val="accent1"/>
+          </a:fillRef>
+          <a:effectRef idx="0">
+            <a:schemeClr val="accent1"/>
+          </a:effectRef>
+          <a:fontRef idx="minor">
+            <a:schemeClr val="lt1"/>
+          </a:fontRef>
+        </p:style>
+        <p:txBody>
+          <a:bodyPr rtlCol="0" anchor="t"/>
+          <a:lstStyle/>
+          <a:p>
+            <a:pPr algn="ctr"/>
+            <a:r>
+              <a:rPr lang="en-US" b="1" u="sng" dirty="0" err="1"/>
+              <a:t>BackEnd</a:t>
+            </a:r>
+            <a:endParaRPr lang="en-US" b="1" u="sng" dirty="0"/>
+          </a:p>
+          <a:p>
+            <a:pPr marL="285750" indent="-285750">
+              <a:buFont typeface="Arial" panose="020B0604020202020204" pitchFamily="34" charset="0"/>
+              <a:buChar char="•"/>
+            </a:pPr>
+            <a:r>
+              <a:rPr lang="en-US" dirty="0"/>
+              <a:t>Python </a:t>
+            </a:r>
+          </a:p>
+          <a:p>
+            <a:pPr marL="285750" indent="-285750">
+              <a:buFont typeface="Arial" panose="020B0604020202020204" pitchFamily="34" charset="0"/>
+              <a:buChar char="•"/>
+            </a:pPr>
+            <a:r>
+              <a:rPr lang="en-US" dirty="0"/>
+              <a:t>Firebase</a:t>
+            </a:r>
+          </a:p>
+        </p:txBody>
+      </p:sp>
+      <p:sp>
+        <p:nvSpPr>
+          <p:cNvPr id="6" name="Oval 5">
+            <a:extLst>
+              <a:ext uri="{FF2B5EF4-FFF2-40B4-BE49-F238E27FC236}">
+                <a16:creationId xmlns:a16="http://schemas.microsoft.com/office/drawing/2014/main" id="{B6650339-D296-FB46-A95B-A9AD77380DF2}"/>
+              </a:ext>
+            </a:extLst>
+          </p:cNvPr>
+          <p:cNvSpPr/>
+          <p:nvPr/>
+        </p:nvSpPr>
+        <p:spPr>
+          <a:xfrm>
+            <a:off x="5125844" y="3130217"/>
+            <a:ext cx="2237873" cy="2015654"/>
+          </a:xfrm>
+          <a:prstGeom prst="ellipse">
+            <a:avLst/>
+          </a:prstGeom>
+          <a:solidFill>
+            <a:srgbClr val="00B0F0"/>
+          </a:solidFill>
+        </p:spPr>
+        <p:style>
+          <a:lnRef idx="2">
+            <a:schemeClr val="accent1">
+              <a:shade val="50000"/>
+            </a:schemeClr>
+          </a:lnRef>
+          <a:fillRef idx="1">
+            <a:schemeClr val="accent1"/>
+          </a:fillRef>
+          <a:effectRef idx="0">
+            <a:schemeClr val="accent1"/>
+          </a:effectRef>
+          <a:fontRef idx="minor">
+            <a:schemeClr val="lt1"/>
+          </a:fontRef>
+        </p:style>
+        <p:txBody>
+          <a:bodyPr rtlCol="0" anchor="t"/>
+          <a:lstStyle/>
+          <a:p>
+            <a:pPr algn="ctr"/>
+            <a:r>
+              <a:rPr lang="en-US" b="1" u="sng" dirty="0"/>
+              <a:t>Serve</a:t>
+            </a:r>
+            <a:r>
+              <a:rPr lang="en-US" dirty="0"/>
+              <a:t>r</a:t>
+            </a:r>
+          </a:p>
+          <a:p>
+            <a:pPr marL="285750" indent="-285750">
+              <a:buFont typeface="Arial" panose="020B0604020202020204" pitchFamily="34" charset="0"/>
+              <a:buChar char="•"/>
+            </a:pPr>
+            <a:r>
+              <a:rPr lang="en-US" dirty="0"/>
+              <a:t>Flask</a:t>
+            </a:r>
+          </a:p>
+        </p:txBody>
+      </p:sp>
+      <p:sp>
+        <p:nvSpPr>
+          <p:cNvPr id="7" name="Oval 6">
+            <a:extLst>
+              <a:ext uri="{FF2B5EF4-FFF2-40B4-BE49-F238E27FC236}">
+                <a16:creationId xmlns:a16="http://schemas.microsoft.com/office/drawing/2014/main" id="{0005A922-323C-AE40-9542-FF2F707FAD3E}"/>
+              </a:ext>
+            </a:extLst>
+          </p:cNvPr>
+          <p:cNvSpPr/>
+          <p:nvPr/>
+        </p:nvSpPr>
+        <p:spPr>
+          <a:xfrm>
+            <a:off x="8453887" y="3130217"/>
+            <a:ext cx="2070736" cy="2015654"/>
+          </a:xfrm>
+          <a:prstGeom prst="ellipse">
+            <a:avLst/>
+          </a:prstGeom>
+          <a:solidFill>
+            <a:srgbClr val="00B0F0"/>
+          </a:solidFill>
+        </p:spPr>
+        <p:style>
+          <a:lnRef idx="2">
+            <a:schemeClr val="accent1">
+              <a:shade val="50000"/>
+            </a:schemeClr>
+          </a:lnRef>
+          <a:fillRef idx="1">
+            <a:schemeClr val="accent1"/>
+          </a:fillRef>
+          <a:effectRef idx="0">
+            <a:schemeClr val="accent1"/>
+          </a:effectRef>
+          <a:fontRef idx="minor">
+            <a:schemeClr val="lt1"/>
+          </a:fontRef>
+        </p:style>
+        <p:txBody>
+          <a:bodyPr rtlCol="0" anchor="t"/>
+          <a:lstStyle/>
+          <a:p>
+            <a:pPr algn="ctr"/>
+            <a:r>
+              <a:rPr lang="en-US" b="1" u="sng" dirty="0" err="1"/>
+              <a:t>FrontEnd</a:t>
+            </a:r>
+            <a:endParaRPr lang="en-US" b="1" u="sng" dirty="0"/>
+          </a:p>
+          <a:p>
+            <a:pPr marL="285750" indent="-285750">
+              <a:buFont typeface="Arial" panose="020B0604020202020204" pitchFamily="34" charset="0"/>
+              <a:buChar char="•"/>
+            </a:pPr>
+            <a:r>
+              <a:rPr lang="en-US" dirty="0"/>
+              <a:t>React</a:t>
+            </a:r>
+          </a:p>
+        </p:txBody>
+      </p:sp>
     </p:spTree>
     <p:extLst>
       <p:ext uri="{BB962C8B-B14F-4D97-AF65-F5344CB8AC3E}">
-        <p14:creationId xmlns:p14="http://schemas.microsoft.com/office/powerpoint/2010/main" val="3678897223"/>
+        <p14:creationId xmlns:p14="http://schemas.microsoft.com/office/powerpoint/2010/main" val="1834721090"/>
       </p:ext>
     </p:extLst>
   </p:cSld>
@@ -6555,303 +6791,6 @@
           <p:cNvPr id="2" name="Title 1">
             <a:extLst>
               <a:ext uri="{FF2B5EF4-FFF2-40B4-BE49-F238E27FC236}">
-                <a16:creationId xmlns:a16="http://schemas.microsoft.com/office/drawing/2014/main" id="{7E5A28D8-ED57-AE4C-94BB-8CCAE47F2037}"/>
-              </a:ext>
-            </a:extLst>
-          </p:cNvPr>
-          <p:cNvSpPr>
-            <a:spLocks noGrp="1"/>
-          </p:cNvSpPr>
-          <p:nvPr>
-            <p:ph type="title"/>
-          </p:nvPr>
-        </p:nvSpPr>
-        <p:spPr/>
-        <p:txBody>
-          <a:bodyPr/>
-          <a:lstStyle/>
-          <a:p>
-            <a:pPr algn="ctr"/>
-            <a:r>
-              <a:rPr lang="en-US" sz="4400" i="1" u="sng" dirty="0"/>
-              <a:t>Technologies</a:t>
-            </a:r>
-            <a:endParaRPr lang="en-US" i="1" u="sng" dirty="0"/>
-          </a:p>
-        </p:txBody>
-      </p:sp>
-      <p:sp>
-        <p:nvSpPr>
-          <p:cNvPr id="3" name="Content Placeholder 2">
-            <a:extLst>
-              <a:ext uri="{FF2B5EF4-FFF2-40B4-BE49-F238E27FC236}">
-                <a16:creationId xmlns:a16="http://schemas.microsoft.com/office/drawing/2014/main" id="{3BC8642E-F134-EB49-A4EB-2268391BD792}"/>
-              </a:ext>
-            </a:extLst>
-          </p:cNvPr>
-          <p:cNvSpPr>
-            <a:spLocks noGrp="1"/>
-          </p:cNvSpPr>
-          <p:nvPr>
-            <p:ph idx="1"/>
-          </p:nvPr>
-        </p:nvSpPr>
-        <p:spPr>
-          <a:xfrm>
-            <a:off x="625642" y="2057402"/>
-            <a:ext cx="10880558" cy="4161284"/>
-          </a:xfrm>
-        </p:spPr>
-        <p:txBody>
-          <a:bodyPr/>
-          <a:lstStyle/>
-          <a:p>
-            <a:endParaRPr lang="en-US" dirty="0"/>
-          </a:p>
-        </p:txBody>
-      </p:sp>
-      <p:sp>
-        <p:nvSpPr>
-          <p:cNvPr id="4" name="Oval 3">
-            <a:extLst>
-              <a:ext uri="{FF2B5EF4-FFF2-40B4-BE49-F238E27FC236}">
-                <a16:creationId xmlns:a16="http://schemas.microsoft.com/office/drawing/2014/main" id="{B2575A16-4F73-8948-AF64-46C90368DD47}"/>
-              </a:ext>
-            </a:extLst>
-          </p:cNvPr>
-          <p:cNvSpPr/>
-          <p:nvPr/>
-        </p:nvSpPr>
-        <p:spPr>
-          <a:xfrm>
-            <a:off x="1667377" y="3130217"/>
-            <a:ext cx="2237873" cy="2015654"/>
-          </a:xfrm>
-          <a:prstGeom prst="ellipse">
-            <a:avLst/>
-          </a:prstGeom>
-          <a:solidFill>
-            <a:srgbClr val="00B0F0"/>
-          </a:solidFill>
-          <a:ln>
-            <a:solidFill>
-              <a:srgbClr val="00B0F0"/>
-            </a:solidFill>
-          </a:ln>
-        </p:spPr>
-        <p:style>
-          <a:lnRef idx="2">
-            <a:schemeClr val="accent1">
-              <a:shade val="50000"/>
-            </a:schemeClr>
-          </a:lnRef>
-          <a:fillRef idx="1">
-            <a:schemeClr val="accent1"/>
-          </a:fillRef>
-          <a:effectRef idx="0">
-            <a:schemeClr val="accent1"/>
-          </a:effectRef>
-          <a:fontRef idx="minor">
-            <a:schemeClr val="lt1"/>
-          </a:fontRef>
-        </p:style>
-        <p:txBody>
-          <a:bodyPr rtlCol="0" anchor="t"/>
-          <a:lstStyle/>
-          <a:p>
-            <a:pPr algn="ctr"/>
-            <a:r>
-              <a:rPr lang="en-US" b="1" u="sng" dirty="0" err="1"/>
-              <a:t>BackEnd</a:t>
-            </a:r>
-            <a:endParaRPr lang="en-US" b="1" u="sng" dirty="0"/>
-          </a:p>
-          <a:p>
-            <a:pPr marL="285750" indent="-285750">
-              <a:buFont typeface="Arial" panose="020B0604020202020204" pitchFamily="34" charset="0"/>
-              <a:buChar char="•"/>
-            </a:pPr>
-            <a:r>
-              <a:rPr lang="en-US" dirty="0"/>
-              <a:t>Python </a:t>
-            </a:r>
-          </a:p>
-          <a:p>
-            <a:pPr marL="285750" indent="-285750">
-              <a:buFont typeface="Arial" panose="020B0604020202020204" pitchFamily="34" charset="0"/>
-              <a:buChar char="•"/>
-            </a:pPr>
-            <a:r>
-              <a:rPr lang="en-US" dirty="0"/>
-              <a:t>Firebase</a:t>
-            </a:r>
-          </a:p>
-        </p:txBody>
-      </p:sp>
-      <p:sp>
-        <p:nvSpPr>
-          <p:cNvPr id="6" name="Oval 5">
-            <a:extLst>
-              <a:ext uri="{FF2B5EF4-FFF2-40B4-BE49-F238E27FC236}">
-                <a16:creationId xmlns:a16="http://schemas.microsoft.com/office/drawing/2014/main" id="{B6650339-D296-FB46-A95B-A9AD77380DF2}"/>
-              </a:ext>
-            </a:extLst>
-          </p:cNvPr>
-          <p:cNvSpPr/>
-          <p:nvPr/>
-        </p:nvSpPr>
-        <p:spPr>
-          <a:xfrm>
-            <a:off x="5125844" y="3130217"/>
-            <a:ext cx="2237873" cy="2015654"/>
-          </a:xfrm>
-          <a:prstGeom prst="ellipse">
-            <a:avLst/>
-          </a:prstGeom>
-          <a:solidFill>
-            <a:srgbClr val="00B0F0"/>
-          </a:solidFill>
-        </p:spPr>
-        <p:style>
-          <a:lnRef idx="2">
-            <a:schemeClr val="accent1">
-              <a:shade val="50000"/>
-            </a:schemeClr>
-          </a:lnRef>
-          <a:fillRef idx="1">
-            <a:schemeClr val="accent1"/>
-          </a:fillRef>
-          <a:effectRef idx="0">
-            <a:schemeClr val="accent1"/>
-          </a:effectRef>
-          <a:fontRef idx="minor">
-            <a:schemeClr val="lt1"/>
-          </a:fontRef>
-        </p:style>
-        <p:txBody>
-          <a:bodyPr rtlCol="0" anchor="t"/>
-          <a:lstStyle/>
-          <a:p>
-            <a:pPr algn="ctr"/>
-            <a:r>
-              <a:rPr lang="en-US" b="1" u="sng" dirty="0"/>
-              <a:t>Serve</a:t>
-            </a:r>
-            <a:r>
-              <a:rPr lang="en-US" dirty="0"/>
-              <a:t>r</a:t>
-            </a:r>
-          </a:p>
-          <a:p>
-            <a:pPr marL="285750" indent="-285750">
-              <a:buFont typeface="Arial" panose="020B0604020202020204" pitchFamily="34" charset="0"/>
-              <a:buChar char="•"/>
-            </a:pPr>
-            <a:r>
-              <a:rPr lang="en-US" dirty="0"/>
-              <a:t>Flask</a:t>
-            </a:r>
-          </a:p>
-        </p:txBody>
-      </p:sp>
-      <p:sp>
-        <p:nvSpPr>
-          <p:cNvPr id="7" name="Oval 6">
-            <a:extLst>
-              <a:ext uri="{FF2B5EF4-FFF2-40B4-BE49-F238E27FC236}">
-                <a16:creationId xmlns:a16="http://schemas.microsoft.com/office/drawing/2014/main" id="{0005A922-323C-AE40-9542-FF2F707FAD3E}"/>
-              </a:ext>
-            </a:extLst>
-          </p:cNvPr>
-          <p:cNvSpPr/>
-          <p:nvPr/>
-        </p:nvSpPr>
-        <p:spPr>
-          <a:xfrm>
-            <a:off x="8453887" y="3130217"/>
-            <a:ext cx="2070736" cy="2015654"/>
-          </a:xfrm>
-          <a:prstGeom prst="ellipse">
-            <a:avLst/>
-          </a:prstGeom>
-          <a:solidFill>
-            <a:srgbClr val="00B0F0"/>
-          </a:solidFill>
-        </p:spPr>
-        <p:style>
-          <a:lnRef idx="2">
-            <a:schemeClr val="accent1">
-              <a:shade val="50000"/>
-            </a:schemeClr>
-          </a:lnRef>
-          <a:fillRef idx="1">
-            <a:schemeClr val="accent1"/>
-          </a:fillRef>
-          <a:effectRef idx="0">
-            <a:schemeClr val="accent1"/>
-          </a:effectRef>
-          <a:fontRef idx="minor">
-            <a:schemeClr val="lt1"/>
-          </a:fontRef>
-        </p:style>
-        <p:txBody>
-          <a:bodyPr rtlCol="0" anchor="t"/>
-          <a:lstStyle/>
-          <a:p>
-            <a:pPr algn="ctr"/>
-            <a:r>
-              <a:rPr lang="en-US" b="1" u="sng" dirty="0" err="1"/>
-              <a:t>FrontEnd</a:t>
-            </a:r>
-            <a:endParaRPr lang="en-US" b="1" u="sng" dirty="0"/>
-          </a:p>
-          <a:p>
-            <a:pPr marL="285750" indent="-285750">
-              <a:buFont typeface="Arial" panose="020B0604020202020204" pitchFamily="34" charset="0"/>
-              <a:buChar char="•"/>
-            </a:pPr>
-            <a:r>
-              <a:rPr lang="en-US" dirty="0"/>
-              <a:t>React</a:t>
-            </a:r>
-          </a:p>
-        </p:txBody>
-      </p:sp>
-    </p:spTree>
-    <p:extLst>
-      <p:ext uri="{BB962C8B-B14F-4D97-AF65-F5344CB8AC3E}">
-        <p14:creationId xmlns:p14="http://schemas.microsoft.com/office/powerpoint/2010/main" val="1834721090"/>
-      </p:ext>
-    </p:extLst>
-  </p:cSld>
-  <p:clrMapOvr>
-    <a:masterClrMapping/>
-  </p:clrMapOvr>
-</p:sld>
-</file>
-
-<file path=ppt/slides/slide6.xml><?xml version="1.0" encoding="utf-8"?>
-<p:sld xmlns:a="http://schemas.openxmlformats.org/drawingml/2006/main" xmlns:r="http://schemas.openxmlformats.org/officeDocument/2006/relationships" xmlns:p="http://schemas.openxmlformats.org/presentationml/2006/main">
-  <p:cSld>
-    <p:spTree>
-      <p:nvGrpSpPr>
-        <p:cNvPr id="1" name=""/>
-        <p:cNvGrpSpPr/>
-        <p:nvPr/>
-      </p:nvGrpSpPr>
-      <p:grpSpPr>
-        <a:xfrm>
-          <a:off x="0" y="0"/>
-          <a:ext cx="0" cy="0"/>
-          <a:chOff x="0" y="0"/>
-          <a:chExt cx="0" cy="0"/>
-        </a:xfrm>
-      </p:grpSpPr>
-      <p:sp>
-        <p:nvSpPr>
-          <p:cNvPr id="2" name="Title 1">
-            <a:extLst>
-              <a:ext uri="{FF2B5EF4-FFF2-40B4-BE49-F238E27FC236}">
                 <a16:creationId xmlns:a16="http://schemas.microsoft.com/office/drawing/2014/main" id="{5D97499C-393B-5F40-96CF-43E7A5DBFB1A}"/>
               </a:ext>
             </a:extLst>
@@ -6914,7 +6853,7 @@
 </p:sld>
 </file>
 
-<file path=ppt/slides/slide7.xml><?xml version="1.0" encoding="utf-8"?>
+<file path=ppt/slides/slide6.xml><?xml version="1.0" encoding="utf-8"?>
 <p:sld xmlns:a="http://schemas.openxmlformats.org/drawingml/2006/main" xmlns:r="http://schemas.openxmlformats.org/officeDocument/2006/relationships" xmlns:p="http://schemas.openxmlformats.org/presentationml/2006/main">
   <p:cSld>
     <p:bg>

--- a/Presentation/RAILWAY Presentation2.pptx
+++ b/Presentation/RAILWAY Presentation2.pptx
@@ -11,6 +11,7 @@
     <p:sldId id="262" r:id="rId5"/>
     <p:sldId id="259" r:id="rId6"/>
     <p:sldId id="263" r:id="rId7"/>
+    <p:sldId id="264" r:id="rId8"/>
   </p:sldIdLst>
   <p:sldSz cx="12192000" cy="6858000"/>
   <p:notesSz cx="6858000" cy="9144000"/>
@@ -6297,7 +6298,7 @@
             <a:miter lim="800000"/>
           </a:ln>
           <a:effectLst>
-            <a:reflection blurRad="12700" stA="28000" endPos="28000" dist="5000" dir="5400000" sy="-100000" algn="bl" rotWithShape="0"/>
+            <a:reflection blurRad="12700" stA="40000" endPos="32000" dist="5000" dir="5400000" sy="-100000" algn="bl" rotWithShape="0"/>
           </a:effectLst>
           <a:scene3d>
             <a:camera prst="orthographicFront"/>
@@ -6407,7 +6408,7 @@
           <a:p>
             <a:pPr algn="ctr"/>
             <a:r>
-              <a:rPr lang="en-US" dirty="0"/>
+              <a:rPr lang="en-US" i="1" u="sng" dirty="0"/>
               <a:t>Process of Communication</a:t>
             </a:r>
           </a:p>
@@ -6434,24 +6435,28 @@
           <a:bodyPr anchor="ctr"/>
           <a:lstStyle/>
           <a:p>
+            <a:pPr algn="ctr"/>
             <a:r>
               <a:rPr lang="en-US" dirty="0"/>
               <a:t>MICROSOFT TEAM </a:t>
             </a:r>
           </a:p>
           <a:p>
+            <a:pPr algn="ctr"/>
             <a:r>
               <a:rPr lang="en-US" dirty="0"/>
               <a:t>EMAILS </a:t>
             </a:r>
           </a:p>
           <a:p>
+            <a:pPr algn="ctr"/>
             <a:r>
               <a:rPr lang="en-US" dirty="0"/>
               <a:t>WHATS APP</a:t>
             </a:r>
           </a:p>
           <a:p>
+            <a:pPr algn="ctr"/>
             <a:r>
               <a:rPr lang="en-US" dirty="0"/>
               <a:t>GITHUB</a:t>
@@ -6540,6 +6545,9 @@
             <a:off x="1277006" y="2664372"/>
             <a:ext cx="10229193" cy="3042745"/>
           </a:xfrm>
+          <a:effectLst>
+            <a:reflection blurRad="6350" stA="50000" endA="300" endPos="55000" dir="5400000" sy="-100000" algn="bl" rotWithShape="0"/>
+          </a:effectLst>
         </p:spPr>
         <p:txBody>
           <a:bodyPr/>
@@ -6606,6 +6614,10 @@
             <a:endParaRPr lang="en-US" b="1" u="sng" dirty="0"/>
           </a:p>
           <a:p>
+            <a:pPr algn="ctr"/>
+            <a:endParaRPr lang="en-US" b="1" u="sng" dirty="0"/>
+          </a:p>
+          <a:p>
             <a:pPr marL="285750" indent="-285750">
               <a:buFont typeface="Arial" panose="020B0604020202020204" pitchFamily="34" charset="0"/>
               <a:buChar char="•"/>
@@ -6616,14 +6628,7 @@
             </a:r>
           </a:p>
           <a:p>
-            <a:pPr marL="285750" indent="-285750">
-              <a:buFont typeface="Arial" panose="020B0604020202020204" pitchFamily="34" charset="0"/>
-              <a:buChar char="•"/>
-            </a:pPr>
-            <a:r>
-              <a:rPr lang="en-US" dirty="0"/>
-              <a:t>Firebase</a:t>
-            </a:r>
+            <a:endParaRPr lang="en-US" dirty="0"/>
           </a:p>
         </p:txBody>
       </p:sp>
@@ -6682,13 +6687,27 @@
             </a:r>
           </a:p>
           <a:p>
+            <a:pPr algn="ctr"/>
+            <a:endParaRPr lang="en-US" dirty="0"/>
+          </a:p>
+          <a:p>
             <a:pPr marL="285750" indent="-285750">
               <a:buFont typeface="Arial" panose="020B0604020202020204" pitchFamily="34" charset="0"/>
               <a:buChar char="•"/>
             </a:pPr>
             <a:r>
               <a:rPr lang="en-US" dirty="0"/>
-              <a:t>Flask</a:t>
+              <a:t>Database</a:t>
+            </a:r>
+          </a:p>
+          <a:p>
+            <a:pPr marL="285750" indent="-285750">
+              <a:buFont typeface="Arial" panose="020B0604020202020204" pitchFamily="34" charset="0"/>
+              <a:buChar char="•"/>
+            </a:pPr>
+            <a:r>
+              <a:rPr lang="en-US" dirty="0"/>
+              <a:t>Firebase</a:t>
             </a:r>
           </a:p>
         </p:txBody>
@@ -6742,6 +6761,10 @@
               <a:rPr lang="en-US" b="1" u="sng" dirty="0" err="1"/>
               <a:t>FrontEnd</a:t>
             </a:r>
+            <a:endParaRPr lang="en-US" b="1" u="sng" dirty="0"/>
+          </a:p>
+          <a:p>
+            <a:pPr algn="ctr"/>
             <a:endParaRPr lang="en-US" b="1" u="sng" dirty="0"/>
           </a:p>
           <a:p>
@@ -6809,7 +6832,7 @@
           <a:p>
             <a:pPr algn="ctr"/>
             <a:r>
-              <a:rPr lang="en-US" dirty="0"/>
+              <a:rPr lang="en-US" i="1" u="sng" dirty="0"/>
               <a:t>METHODOLOGIES</a:t>
             </a:r>
           </a:p>
@@ -6831,12 +6854,44 @@
             <p:ph idx="1"/>
           </p:nvPr>
         </p:nvSpPr>
-        <p:spPr/>
+        <p:spPr>
+          <a:xfrm>
+            <a:off x="1560786" y="2238703"/>
+            <a:ext cx="9945414" cy="3979982"/>
+          </a:xfrm>
+        </p:spPr>
         <p:txBody>
           <a:bodyPr/>
           <a:lstStyle/>
           <a:p>
-            <a:endParaRPr lang="en-US" dirty="0"/>
+            <a:endParaRPr lang="en-US" sz="2800" dirty="0"/>
+          </a:p>
+          <a:p>
+            <a:r>
+              <a:rPr lang="en-US" sz="2800" dirty="0"/>
+              <a:t>Agile-waterfall Hybrid  Methodology</a:t>
+            </a:r>
+          </a:p>
+          <a:p>
+            <a:pPr marL="0" indent="0">
+              <a:buNone/>
+            </a:pPr>
+            <a:endParaRPr lang="en-US" sz="2800" dirty="0"/>
+          </a:p>
+          <a:p>
+            <a:pPr marL="0" indent="0">
+              <a:buNone/>
+            </a:pPr>
+            <a:endParaRPr lang="en-US" dirty="0"/>
+          </a:p>
+          <a:p>
+            <a:pPr marL="0" indent="0">
+              <a:buNone/>
+            </a:pPr>
+            <a:r>
+              <a:rPr lang="en-US" dirty="0"/>
+              <a:t> </a:t>
+            </a:r>
           </a:p>
         </p:txBody>
       </p:sp>
@@ -7103,12 +7158,331 @@
           <a:prstGeom prst="rect">
             <a:avLst/>
           </a:prstGeom>
+          <a:effectLst>
+            <a:reflection blurRad="6350" stA="52000" endA="300" endPos="35000" dir="5400000" sy="-100000" algn="bl" rotWithShape="0"/>
+          </a:effectLst>
         </p:spPr>
       </p:pic>
     </p:spTree>
     <p:extLst>
       <p:ext uri="{BB962C8B-B14F-4D97-AF65-F5344CB8AC3E}">
         <p14:creationId xmlns:p14="http://schemas.microsoft.com/office/powerpoint/2010/main" val="2730772632"/>
+      </p:ext>
+    </p:extLst>
+  </p:cSld>
+  <p:clrMapOvr>
+    <a:masterClrMapping/>
+  </p:clrMapOvr>
+</p:sld>
+</file>
+
+<file path=ppt/slides/slide7.xml><?xml version="1.0" encoding="utf-8"?>
+<p:sld xmlns:a="http://schemas.openxmlformats.org/drawingml/2006/main" xmlns:r="http://schemas.openxmlformats.org/officeDocument/2006/relationships" xmlns:p="http://schemas.openxmlformats.org/presentationml/2006/main">
+  <p:cSld>
+    <p:bg>
+      <p:bgPr>
+        <a:solidFill>
+          <a:schemeClr val="bg1"/>
+        </a:solidFill>
+        <a:effectLst/>
+      </p:bgPr>
+    </p:bg>
+    <p:spTree>
+      <p:nvGrpSpPr>
+        <p:cNvPr id="1" name=""/>
+        <p:cNvGrpSpPr/>
+        <p:nvPr/>
+      </p:nvGrpSpPr>
+      <p:grpSpPr>
+        <a:xfrm>
+          <a:off x="0" y="0"/>
+          <a:ext cx="0" cy="0"/>
+          <a:chOff x="0" y="0"/>
+          <a:chExt cx="0" cy="0"/>
+        </a:xfrm>
+      </p:grpSpPr>
+      <p:sp>
+        <p:nvSpPr>
+          <p:cNvPr id="12" name="Rectangle 11">
+            <a:extLst>
+              <a:ext uri="{FF2B5EF4-FFF2-40B4-BE49-F238E27FC236}">
+                <a16:creationId xmlns:a16="http://schemas.microsoft.com/office/drawing/2014/main" id="{8B836880-BF75-4385-9994-9270F8ACF1A7}"/>
+              </a:ext>
+              <a:ext uri="{C183D7F6-B498-43B3-948B-1728B52AA6E4}">
+                <adec:decorative xmlns:adec="http://schemas.microsoft.com/office/drawing/2017/decorative" val="1"/>
+              </a:ext>
+            </a:extLst>
+          </p:cNvPr>
+          <p:cNvSpPr>
+            <a:spLocks noGrp="1" noRot="1" noChangeAspect="1" noMove="1" noResize="1" noEditPoints="1" noAdjustHandles="1" noChangeArrowheads="1" noChangeShapeType="1" noTextEdit="1"/>
+          </p:cNvSpPr>
+          <p:nvPr>
+            <p:extLst>
+              <p:ext uri="{386F3935-93C4-4BCD-93E2-E3B085C9AB24}">
+                <p16:designElem xmlns:p16="http://schemas.microsoft.com/office/powerpoint/2015/main" val="1"/>
+              </p:ext>
+            </p:extLst>
+          </p:nvPr>
+        </p:nvSpPr>
+        <p:spPr>
+          <a:xfrm>
+            <a:off x="0" y="0"/>
+            <a:ext cx="12192000" cy="6858000"/>
+          </a:xfrm>
+          <a:prstGeom prst="rect">
+            <a:avLst/>
+          </a:prstGeom>
+          <a:solidFill>
+            <a:schemeClr val="bg1"/>
+          </a:solidFill>
+          <a:ln>
+            <a:noFill/>
+          </a:ln>
+        </p:spPr>
+        <p:style>
+          <a:lnRef idx="2">
+            <a:schemeClr val="accent1">
+              <a:shade val="50000"/>
+            </a:schemeClr>
+          </a:lnRef>
+          <a:fillRef idx="1">
+            <a:schemeClr val="accent1"/>
+          </a:fillRef>
+          <a:effectRef idx="0">
+            <a:schemeClr val="accent1"/>
+          </a:effectRef>
+          <a:fontRef idx="minor">
+            <a:schemeClr val="lt1"/>
+          </a:fontRef>
+        </p:style>
+        <p:txBody>
+          <a:bodyPr rtlCol="0" anchor="ctr"/>
+          <a:lstStyle/>
+          <a:p>
+            <a:pPr algn="ctr"/>
+            <a:endParaRPr lang="en-US"/>
+          </a:p>
+        </p:txBody>
+      </p:sp>
+      <p:pic>
+        <p:nvPicPr>
+          <p:cNvPr id="14" name="Picture 13">
+            <a:extLst>
+              <a:ext uri="{FF2B5EF4-FFF2-40B4-BE49-F238E27FC236}">
+                <a16:creationId xmlns:a16="http://schemas.microsoft.com/office/drawing/2014/main" id="{26BCFBE2-C65F-42E3-A14A-5D04B9842E44}"/>
+              </a:ext>
+              <a:ext uri="{C183D7F6-B498-43B3-948B-1728B52AA6E4}">
+                <adec:decorative xmlns:adec="http://schemas.microsoft.com/office/drawing/2017/decorative" val="1"/>
+              </a:ext>
+            </a:extLst>
+          </p:cNvPr>
+          <p:cNvPicPr>
+            <a:picLocks noGrp="1" noRot="1" noChangeAspect="1" noMove="1" noResize="1" noEditPoints="1" noAdjustHandles="1" noChangeArrowheads="1" noChangeShapeType="1" noCrop="1"/>
+          </p:cNvPicPr>
+          <p:nvPr>
+            <p:extLst>
+              <p:ext uri="{386F3935-93C4-4BCD-93E2-E3B085C9AB24}">
+                <p16:designElem xmlns:p16="http://schemas.microsoft.com/office/powerpoint/2015/main" val="1"/>
+              </p:ext>
+            </p:extLst>
+          </p:nvPr>
+        </p:nvPicPr>
+        <p:blipFill>
+          <a:blip r:embed="rId2">
+            <a:extLst>
+              <a:ext uri="{28A0092B-C50C-407E-A947-70E740481C1C}">
+                <a14:useLocalDpi xmlns:a14="http://schemas.microsoft.com/office/drawing/2010/main" val="0"/>
+              </a:ext>
+            </a:extLst>
+          </a:blip>
+          <a:stretch>
+            <a:fillRect/>
+          </a:stretch>
+        </p:blipFill>
+        <p:spPr>
+          <a:xfrm>
+            <a:off x="0" y="0"/>
+            <a:ext cx="12192000" cy="1441450"/>
+          </a:xfrm>
+          <a:prstGeom prst="rect">
+            <a:avLst/>
+          </a:prstGeom>
+        </p:spPr>
+      </p:pic>
+      <p:sp>
+        <p:nvSpPr>
+          <p:cNvPr id="2" name="Title 1">
+            <a:extLst>
+              <a:ext uri="{FF2B5EF4-FFF2-40B4-BE49-F238E27FC236}">
+                <a16:creationId xmlns:a16="http://schemas.microsoft.com/office/drawing/2014/main" id="{AAE7FCD0-B523-EA4A-A4AD-4551683B87AB}"/>
+              </a:ext>
+            </a:extLst>
+          </p:cNvPr>
+          <p:cNvSpPr>
+            <a:spLocks noGrp="1"/>
+          </p:cNvSpPr>
+          <p:nvPr>
+            <p:ph type="title"/>
+          </p:nvPr>
+        </p:nvSpPr>
+        <p:spPr>
+          <a:xfrm>
+            <a:off x="685800" y="764373"/>
+            <a:ext cx="3306744" cy="1293028"/>
+          </a:xfrm>
+        </p:spPr>
+        <p:txBody>
+          <a:bodyPr>
+            <a:normAutofit/>
+          </a:bodyPr>
+          <a:lstStyle/>
+          <a:p>
+            <a:r>
+              <a:rPr lang="en-US" sz="3200" i="1" u="sng"/>
+              <a:t>Design</a:t>
+            </a:r>
+            <a:r>
+              <a:rPr lang="en-US" sz="3200"/>
+              <a:t> </a:t>
+            </a:r>
+          </a:p>
+        </p:txBody>
+      </p:sp>
+      <p:sp>
+        <p:nvSpPr>
+          <p:cNvPr id="9" name="Content Placeholder 8">
+            <a:extLst>
+              <a:ext uri="{FF2B5EF4-FFF2-40B4-BE49-F238E27FC236}">
+                <a16:creationId xmlns:a16="http://schemas.microsoft.com/office/drawing/2014/main" id="{FC90E9D1-C001-465E-9E55-2C8A3AE8CF15}"/>
+              </a:ext>
+            </a:extLst>
+          </p:cNvPr>
+          <p:cNvSpPr>
+            <a:spLocks noGrp="1"/>
+          </p:cNvSpPr>
+          <p:nvPr>
+            <p:ph idx="1"/>
+          </p:nvPr>
+        </p:nvSpPr>
+        <p:spPr>
+          <a:xfrm>
+            <a:off x="685801" y="2194560"/>
+            <a:ext cx="3306742" cy="4024125"/>
+          </a:xfrm>
+        </p:spPr>
+        <p:txBody>
+          <a:bodyPr>
+            <a:normAutofit/>
+          </a:bodyPr>
+          <a:lstStyle/>
+          <a:p>
+            <a:endParaRPr lang="en-US" sz="1600"/>
+          </a:p>
+        </p:txBody>
+      </p:sp>
+      <p:sp>
+        <p:nvSpPr>
+          <p:cNvPr id="16" name="Rounded Rectangle 14">
+            <a:extLst>
+              <a:ext uri="{FF2B5EF4-FFF2-40B4-BE49-F238E27FC236}">
+                <a16:creationId xmlns:a16="http://schemas.microsoft.com/office/drawing/2014/main" id="{38D32B90-922C-4411-A898-3F03AA808A09}"/>
+              </a:ext>
+              <a:ext uri="{C183D7F6-B498-43B3-948B-1728B52AA6E4}">
+                <adec:decorative xmlns:adec="http://schemas.microsoft.com/office/drawing/2017/decorative" val="1"/>
+              </a:ext>
+            </a:extLst>
+          </p:cNvPr>
+          <p:cNvSpPr>
+            <a:spLocks noGrp="1" noRot="1" noChangeAspect="1" noMove="1" noResize="1" noEditPoints="1" noAdjustHandles="1" noChangeArrowheads="1" noChangeShapeType="1" noTextEdit="1"/>
+          </p:cNvSpPr>
+          <p:nvPr>
+            <p:extLst>
+              <p:ext uri="{386F3935-93C4-4BCD-93E2-E3B085C9AB24}">
+                <p16:designElem xmlns:p16="http://schemas.microsoft.com/office/powerpoint/2015/main" val="1"/>
+              </p:ext>
+            </p:extLst>
+          </p:nvPr>
+        </p:nvSpPr>
+        <p:spPr>
+          <a:xfrm>
+            <a:off x="4636008" y="1066164"/>
+            <a:ext cx="6765949" cy="5148371"/>
+          </a:xfrm>
+          <a:prstGeom prst="roundRect">
+            <a:avLst>
+              <a:gd name="adj" fmla="val 2403"/>
+            </a:avLst>
+          </a:prstGeom>
+          <a:solidFill>
+            <a:srgbClr val="FFFFFF"/>
+          </a:solidFill>
+          <a:ln>
+            <a:noFill/>
+          </a:ln>
+          <a:effectLst>
+            <a:innerShdw blurRad="114300">
+              <a:prstClr val="black"/>
+            </a:innerShdw>
+          </a:effectLst>
+        </p:spPr>
+        <p:style>
+          <a:lnRef idx="2">
+            <a:schemeClr val="accent1">
+              <a:shade val="50000"/>
+            </a:schemeClr>
+          </a:lnRef>
+          <a:fillRef idx="1">
+            <a:schemeClr val="accent1"/>
+          </a:fillRef>
+          <a:effectRef idx="0">
+            <a:schemeClr val="accent1"/>
+          </a:effectRef>
+          <a:fontRef idx="minor">
+            <a:schemeClr val="lt1"/>
+          </a:fontRef>
+        </p:style>
+        <p:txBody>
+          <a:bodyPr rtlCol="0" anchor="ctr"/>
+          <a:lstStyle/>
+          <a:p>
+            <a:pPr algn="ctr"/>
+            <a:endParaRPr lang="en-US"/>
+          </a:p>
+        </p:txBody>
+      </p:sp>
+      <p:pic>
+        <p:nvPicPr>
+          <p:cNvPr id="5" name="Content Placeholder 4" descr="Graphical user interface&#10;&#10;Description automatically generated">
+            <a:extLst>
+              <a:ext uri="{FF2B5EF4-FFF2-40B4-BE49-F238E27FC236}">
+                <a16:creationId xmlns:a16="http://schemas.microsoft.com/office/drawing/2014/main" id="{B6ED6631-05A7-924A-8F9D-81FD3606FB24}"/>
+              </a:ext>
+            </a:extLst>
+          </p:cNvPr>
+          <p:cNvPicPr>
+            <a:picLocks noChangeAspect="1"/>
+          </p:cNvPicPr>
+          <p:nvPr/>
+        </p:nvPicPr>
+        <p:blipFill rotWithShape="1">
+          <a:blip r:embed="rId3"/>
+          <a:srcRect r="22869" b="-1"/>
+          <a:stretch/>
+        </p:blipFill>
+        <p:spPr>
+          <a:xfrm>
+            <a:off x="4955339" y="1336566"/>
+            <a:ext cx="6127287" cy="4607567"/>
+          </a:xfrm>
+          <a:prstGeom prst="rect">
+            <a:avLst/>
+          </a:prstGeom>
+        </p:spPr>
+      </p:pic>
+    </p:spTree>
+    <p:extLst>
+      <p:ext uri="{BB962C8B-B14F-4D97-AF65-F5344CB8AC3E}">
+        <p14:creationId xmlns:p14="http://schemas.microsoft.com/office/powerpoint/2010/main" val="3983216243"/>
       </p:ext>
     </p:extLst>
   </p:cSld>

--- a/Presentation/RAILWAY Presentation2.pptx
+++ b/Presentation/RAILWAY Presentation2.pptx
@@ -12,6 +12,7 @@
     <p:sldId id="259" r:id="rId6"/>
     <p:sldId id="263" r:id="rId7"/>
     <p:sldId id="264" r:id="rId8"/>
+    <p:sldId id="265" r:id="rId9"/>
   </p:sldIdLst>
   <p:sldSz cx="12192000" cy="6858000"/>
   <p:notesSz cx="6858000" cy="9144000"/>
@@ -6256,12 +6257,48 @@
           <a:chExt cx="0" cy="0"/>
         </a:xfrm>
       </p:grpSpPr>
+      <p:sp>
+        <p:nvSpPr>
+          <p:cNvPr id="2" name="Title 1">
+            <a:extLst>
+              <a:ext uri="{FF2B5EF4-FFF2-40B4-BE49-F238E27FC236}">
+                <a16:creationId xmlns:a16="http://schemas.microsoft.com/office/drawing/2014/main" id="{4DCF86EA-D714-7843-888D-FD04E7561118}"/>
+              </a:ext>
+            </a:extLst>
+          </p:cNvPr>
+          <p:cNvSpPr>
+            <a:spLocks noGrp="1"/>
+          </p:cNvSpPr>
+          <p:nvPr>
+            <p:ph type="title"/>
+          </p:nvPr>
+        </p:nvSpPr>
+        <p:spPr>
+          <a:xfrm>
+            <a:off x="4597400" y="685801"/>
+            <a:ext cx="6897914" cy="1193800"/>
+          </a:xfrm>
+        </p:spPr>
+        <p:txBody>
+          <a:bodyPr>
+            <a:normAutofit/>
+          </a:bodyPr>
+          <a:lstStyle/>
+          <a:p>
+            <a:pPr algn="ctr"/>
+            <a:r>
+              <a:rPr lang="en-US" i="1" u="sng" dirty="0"/>
+              <a:t>Team 3</a:t>
+            </a:r>
+          </a:p>
+        </p:txBody>
+      </p:sp>
       <p:pic>
         <p:nvPicPr>
-          <p:cNvPr id="7" name="Content Placeholder 6">
+          <p:cNvPr id="6" name="Content Placeholder 5">
             <a:extLst>
               <a:ext uri="{FF2B5EF4-FFF2-40B4-BE49-F238E27FC236}">
-                <a16:creationId xmlns:a16="http://schemas.microsoft.com/office/drawing/2014/main" id="{F0E5561C-C638-9F4D-BCF5-A8C3F5AE50A7}"/>
+                <a16:creationId xmlns:a16="http://schemas.microsoft.com/office/drawing/2014/main" id="{71CE9376-BAB1-CD42-A3A5-CD7DE30D2592}"/>
               </a:ext>
             </a:extLst>
           </p:cNvPr>
@@ -6280,76 +6317,35 @@
         </p:blipFill>
         <p:spPr>
           <a:xfrm>
-            <a:off x="1898650" y="2105501"/>
-            <a:ext cx="8394700" cy="3835400"/>
-          </a:xfrm>
-          <a:prstGeom prst="roundRect">
-            <a:avLst>
-              <a:gd name="adj" fmla="val 50000"/>
-            </a:avLst>
-          </a:prstGeom>
-          <a:solidFill>
-            <a:srgbClr val="FFFFFF"/>
-          </a:solidFill>
-          <a:ln w="76200" cap="sq">
-            <a:solidFill>
-              <a:srgbClr val="292929"/>
-            </a:solidFill>
-            <a:miter lim="800000"/>
-          </a:ln>
+            <a:off x="2723975" y="1879602"/>
+            <a:ext cx="7961531" cy="4256502"/>
+          </a:xfrm>
           <a:effectLst>
-            <a:reflection blurRad="12700" stA="40000" endPos="32000" dist="5000" dir="5400000" sy="-100000" algn="bl" rotWithShape="0"/>
+            <a:glow rad="139700">
+              <a:schemeClr val="accent1">
+                <a:satMod val="175000"/>
+                <a:alpha val="40000"/>
+              </a:schemeClr>
+            </a:glow>
+            <a:outerShdw blurRad="50800" dist="38100" dir="8100000" algn="tr" rotWithShape="0">
+              <a:prstClr val="black">
+                <a:alpha val="40000"/>
+              </a:prstClr>
+            </a:outerShdw>
+            <a:reflection blurRad="6350" stA="52000" endA="300" endPos="35000" dir="5400000" sy="-100000" algn="bl" rotWithShape="0"/>
+            <a:softEdge rad="533400"/>
           </a:effectLst>
           <a:scene3d>
-            <a:camera prst="orthographicFront"/>
-            <a:lightRig rig="threePt" dir="t">
-              <a:rot lat="0" lon="0" rev="2700000"/>
-            </a:lightRig>
+            <a:camera prst="orthographicFront">
+              <a:rot lat="0" lon="21299956" rev="0"/>
+            </a:camera>
+            <a:lightRig rig="threePt" dir="t"/>
           </a:scene3d>
           <a:sp3d>
-            <a:bevelT h="38100"/>
-            <a:contourClr>
-              <a:srgbClr val="C0C0C0"/>
-            </a:contourClr>
+            <a:bevelT prst="slope"/>
           </a:sp3d>
         </p:spPr>
       </p:pic>
-      <p:sp>
-        <p:nvSpPr>
-          <p:cNvPr id="2" name="Title 1">
-            <a:extLst>
-              <a:ext uri="{FF2B5EF4-FFF2-40B4-BE49-F238E27FC236}">
-                <a16:creationId xmlns:a16="http://schemas.microsoft.com/office/drawing/2014/main" id="{4DCF86EA-D714-7843-888D-FD04E7561118}"/>
-              </a:ext>
-            </a:extLst>
-          </p:cNvPr>
-          <p:cNvSpPr>
-            <a:spLocks noGrp="1"/>
-          </p:cNvSpPr>
-          <p:nvPr>
-            <p:ph type="title"/>
-          </p:nvPr>
-        </p:nvSpPr>
-        <p:spPr>
-          <a:xfrm>
-            <a:off x="4597400" y="685801"/>
-            <a:ext cx="6897914" cy="1193800"/>
-          </a:xfrm>
-        </p:spPr>
-        <p:txBody>
-          <a:bodyPr>
-            <a:normAutofit/>
-          </a:bodyPr>
-          <a:lstStyle/>
-          <a:p>
-            <a:pPr algn="ctr"/>
-            <a:r>
-              <a:rPr lang="en-US" i="1" u="sng" dirty="0"/>
-              <a:t>Team 3</a:t>
-            </a:r>
-          </a:p>
-        </p:txBody>
-      </p:sp>
     </p:spTree>
     <p:extLst>
       <p:ext uri="{BB962C8B-B14F-4D97-AF65-F5344CB8AC3E}">
@@ -6360,6 +6356,18 @@
   <p:clrMapOvr>
     <a:masterClrMapping/>
   </p:clrMapOvr>
+  <mc:AlternateContent xmlns:mc="http://schemas.openxmlformats.org/markup-compatibility/2006" xmlns:p14="http://schemas.microsoft.com/office/powerpoint/2010/main">
+    <mc:Choice Requires="p14">
+      <p:transition spd="slow" p14:dur="800">
+        <p:circle/>
+      </p:transition>
+    </mc:Choice>
+    <mc:Fallback xmlns="">
+      <p:transition spd="slow">
+        <p:circle/>
+      </p:transition>
+    </mc:Fallback>
+  </mc:AlternateContent>
 </p:sld>
 </file>
 
@@ -6542,7 +6550,7 @@
         </p:nvSpPr>
         <p:spPr>
           <a:xfrm>
-            <a:off x="1277006" y="2664372"/>
+            <a:off x="1277006" y="2728167"/>
             <a:ext cx="10229193" cy="3042745"/>
           </a:xfrm>
           <a:effectLst>
@@ -6614,17 +6622,44 @@
             <a:endParaRPr lang="en-US" b="1" u="sng" dirty="0"/>
           </a:p>
           <a:p>
-            <a:pPr algn="ctr"/>
-            <a:endParaRPr lang="en-US" b="1" u="sng" dirty="0"/>
-          </a:p>
-          <a:p>
             <a:pPr marL="285750" indent="-285750">
               <a:buFont typeface="Arial" panose="020B0604020202020204" pitchFamily="34" charset="0"/>
               <a:buChar char="•"/>
             </a:pPr>
             <a:r>
               <a:rPr lang="en-US" dirty="0"/>
-              <a:t>Python </a:t>
+              <a:t>Python</a:t>
+            </a:r>
+          </a:p>
+          <a:p>
+            <a:pPr marL="285750" indent="-285750">
+              <a:buFont typeface="Arial" panose="020B0604020202020204" pitchFamily="34" charset="0"/>
+              <a:buChar char="•"/>
+            </a:pPr>
+            <a:r>
+              <a:rPr lang="en-US" dirty="0" err="1"/>
+              <a:t>Github</a:t>
+            </a:r>
+            <a:endParaRPr lang="en-US" dirty="0"/>
+          </a:p>
+          <a:p>
+            <a:pPr marL="285750" indent="-285750">
+              <a:buFont typeface="Arial" panose="020B0604020202020204" pitchFamily="34" charset="0"/>
+              <a:buChar char="•"/>
+            </a:pPr>
+            <a:r>
+              <a:rPr lang="en-US" dirty="0"/>
+              <a:t>My SQL</a:t>
+            </a:r>
+          </a:p>
+          <a:p>
+            <a:pPr marL="285750" indent="-285750">
+              <a:buFont typeface="Arial" panose="020B0604020202020204" pitchFamily="34" charset="0"/>
+              <a:buChar char="•"/>
+            </a:pPr>
+            <a:r>
+              <a:rPr lang="en-US" dirty="0"/>
+              <a:t>Node JS </a:t>
             </a:r>
           </a:p>
           <a:p>
@@ -6679,26 +6714,12 @@
             <a:pPr algn="ctr"/>
             <a:r>
               <a:rPr lang="en-US" b="1" u="sng" dirty="0"/>
-              <a:t>Serve</a:t>
-            </a:r>
-            <a:r>
-              <a:rPr lang="en-US" dirty="0"/>
-              <a:t>r</a:t>
-            </a:r>
-          </a:p>
-          <a:p>
-            <a:pPr algn="ctr"/>
-            <a:endParaRPr lang="en-US" dirty="0"/>
-          </a:p>
-          <a:p>
-            <a:pPr marL="285750" indent="-285750">
-              <a:buFont typeface="Arial" panose="020B0604020202020204" pitchFamily="34" charset="0"/>
-              <a:buChar char="•"/>
-            </a:pPr>
-            <a:r>
-              <a:rPr lang="en-US" dirty="0"/>
               <a:t>Database</a:t>
             </a:r>
+            <a:endParaRPr lang="en-US" dirty="0"/>
+          </a:p>
+          <a:p>
+            <a:endParaRPr lang="en-US" dirty="0"/>
           </a:p>
           <a:p>
             <a:pPr marL="285750" indent="-285750">
@@ -7483,6 +7504,100 @@
     <p:extLst>
       <p:ext uri="{BB962C8B-B14F-4D97-AF65-F5344CB8AC3E}">
         <p14:creationId xmlns:p14="http://schemas.microsoft.com/office/powerpoint/2010/main" val="3983216243"/>
+      </p:ext>
+    </p:extLst>
+  </p:cSld>
+  <p:clrMapOvr>
+    <a:masterClrMapping/>
+  </p:clrMapOvr>
+</p:sld>
+</file>
+
+<file path=ppt/slides/slide8.xml><?xml version="1.0" encoding="utf-8"?>
+<p:sld xmlns:a="http://schemas.openxmlformats.org/drawingml/2006/main" xmlns:r="http://schemas.openxmlformats.org/officeDocument/2006/relationships" xmlns:p="http://schemas.openxmlformats.org/presentationml/2006/main">
+  <p:cSld>
+    <p:spTree>
+      <p:nvGrpSpPr>
+        <p:cNvPr id="1" name=""/>
+        <p:cNvGrpSpPr/>
+        <p:nvPr/>
+      </p:nvGrpSpPr>
+      <p:grpSpPr>
+        <a:xfrm>
+          <a:off x="0" y="0"/>
+          <a:ext cx="0" cy="0"/>
+          <a:chOff x="0" y="0"/>
+          <a:chExt cx="0" cy="0"/>
+        </a:xfrm>
+      </p:grpSpPr>
+      <p:sp>
+        <p:nvSpPr>
+          <p:cNvPr id="2" name="Title 1">
+            <a:extLst>
+              <a:ext uri="{FF2B5EF4-FFF2-40B4-BE49-F238E27FC236}">
+                <a16:creationId xmlns:a16="http://schemas.microsoft.com/office/drawing/2014/main" id="{2AA480C1-07B6-8643-BEBC-0E09F3AA0FA3}"/>
+              </a:ext>
+            </a:extLst>
+          </p:cNvPr>
+          <p:cNvSpPr>
+            <a:spLocks noGrp="1"/>
+          </p:cNvSpPr>
+          <p:nvPr>
+            <p:ph type="title"/>
+          </p:nvPr>
+        </p:nvSpPr>
+        <p:spPr>
+          <a:xfrm>
+            <a:off x="685800" y="753534"/>
+            <a:ext cx="10820399" cy="955676"/>
+          </a:xfrm>
+        </p:spPr>
+        <p:txBody>
+          <a:bodyPr/>
+          <a:lstStyle/>
+          <a:p>
+            <a:pPr algn="ctr"/>
+            <a:r>
+              <a:rPr lang="en-US" i="1" u="sng" dirty="0"/>
+              <a:t>Domain</a:t>
+            </a:r>
+          </a:p>
+        </p:txBody>
+      </p:sp>
+      <p:sp>
+        <p:nvSpPr>
+          <p:cNvPr id="3" name="Text Placeholder 2">
+            <a:extLst>
+              <a:ext uri="{FF2B5EF4-FFF2-40B4-BE49-F238E27FC236}">
+                <a16:creationId xmlns:a16="http://schemas.microsoft.com/office/drawing/2014/main" id="{85B49843-7627-7E43-9178-FB6B8ED66B06}"/>
+              </a:ext>
+            </a:extLst>
+          </p:cNvPr>
+          <p:cNvSpPr>
+            <a:spLocks noGrp="1"/>
+          </p:cNvSpPr>
+          <p:nvPr>
+            <p:ph type="body" idx="1"/>
+          </p:nvPr>
+        </p:nvSpPr>
+        <p:spPr>
+          <a:xfrm>
+            <a:off x="1024467" y="2164703"/>
+            <a:ext cx="10490200" cy="2432698"/>
+          </a:xfrm>
+        </p:spPr>
+        <p:txBody>
+          <a:bodyPr/>
+          <a:lstStyle/>
+          <a:p>
+            <a:endParaRPr lang="en-US" dirty="0"/>
+          </a:p>
+        </p:txBody>
+      </p:sp>
+    </p:spTree>
+    <p:extLst>
+      <p:ext uri="{BB962C8B-B14F-4D97-AF65-F5344CB8AC3E}">
+        <p14:creationId xmlns:p14="http://schemas.microsoft.com/office/powerpoint/2010/main" val="142891713"/>
       </p:ext>
     </p:extLst>
   </p:cSld>

--- a/Presentation/RAILWAY Presentation2.pptx
+++ b/Presentation/RAILWAY Presentation2.pptx
@@ -12,7 +12,6 @@
     <p:sldId id="259" r:id="rId6"/>
     <p:sldId id="263" r:id="rId7"/>
     <p:sldId id="264" r:id="rId8"/>
-    <p:sldId id="265" r:id="rId9"/>
   </p:sldIdLst>
   <p:sldSz cx="12192000" cy="6858000"/>
   <p:notesSz cx="6858000" cy="9144000"/>
@@ -6622,6 +6621,10 @@
             <a:endParaRPr lang="en-US" b="1" u="sng" dirty="0"/>
           </a:p>
           <a:p>
+            <a:pPr algn="ctr"/>
+            <a:endParaRPr lang="en-US" b="1" u="sng" dirty="0"/>
+          </a:p>
+          <a:p>
             <a:pPr marL="285750" indent="-285750">
               <a:buFont typeface="Arial" panose="020B0604020202020204" pitchFamily="34" charset="0"/>
               <a:buChar char="•"/>
@@ -6630,17 +6633,6 @@
               <a:rPr lang="en-US" dirty="0"/>
               <a:t>Python</a:t>
             </a:r>
-          </a:p>
-          <a:p>
-            <a:pPr marL="285750" indent="-285750">
-              <a:buFont typeface="Arial" panose="020B0604020202020204" pitchFamily="34" charset="0"/>
-              <a:buChar char="•"/>
-            </a:pPr>
-            <a:r>
-              <a:rPr lang="en-US" dirty="0" err="1"/>
-              <a:t>Github</a:t>
-            </a:r>
-            <a:endParaRPr lang="en-US" dirty="0"/>
           </a:p>
           <a:p>
             <a:pPr marL="285750" indent="-285750">
@@ -7504,100 +7496,6 @@
     <p:extLst>
       <p:ext uri="{BB962C8B-B14F-4D97-AF65-F5344CB8AC3E}">
         <p14:creationId xmlns:p14="http://schemas.microsoft.com/office/powerpoint/2010/main" val="3983216243"/>
-      </p:ext>
-    </p:extLst>
-  </p:cSld>
-  <p:clrMapOvr>
-    <a:masterClrMapping/>
-  </p:clrMapOvr>
-</p:sld>
-</file>
-
-<file path=ppt/slides/slide8.xml><?xml version="1.0" encoding="utf-8"?>
-<p:sld xmlns:a="http://schemas.openxmlformats.org/drawingml/2006/main" xmlns:r="http://schemas.openxmlformats.org/officeDocument/2006/relationships" xmlns:p="http://schemas.openxmlformats.org/presentationml/2006/main">
-  <p:cSld>
-    <p:spTree>
-      <p:nvGrpSpPr>
-        <p:cNvPr id="1" name=""/>
-        <p:cNvGrpSpPr/>
-        <p:nvPr/>
-      </p:nvGrpSpPr>
-      <p:grpSpPr>
-        <a:xfrm>
-          <a:off x="0" y="0"/>
-          <a:ext cx="0" cy="0"/>
-          <a:chOff x="0" y="0"/>
-          <a:chExt cx="0" cy="0"/>
-        </a:xfrm>
-      </p:grpSpPr>
-      <p:sp>
-        <p:nvSpPr>
-          <p:cNvPr id="2" name="Title 1">
-            <a:extLst>
-              <a:ext uri="{FF2B5EF4-FFF2-40B4-BE49-F238E27FC236}">
-                <a16:creationId xmlns:a16="http://schemas.microsoft.com/office/drawing/2014/main" id="{2AA480C1-07B6-8643-BEBC-0E09F3AA0FA3}"/>
-              </a:ext>
-            </a:extLst>
-          </p:cNvPr>
-          <p:cNvSpPr>
-            <a:spLocks noGrp="1"/>
-          </p:cNvSpPr>
-          <p:nvPr>
-            <p:ph type="title"/>
-          </p:nvPr>
-        </p:nvSpPr>
-        <p:spPr>
-          <a:xfrm>
-            <a:off x="685800" y="753534"/>
-            <a:ext cx="10820399" cy="955676"/>
-          </a:xfrm>
-        </p:spPr>
-        <p:txBody>
-          <a:bodyPr/>
-          <a:lstStyle/>
-          <a:p>
-            <a:pPr algn="ctr"/>
-            <a:r>
-              <a:rPr lang="en-US" i="1" u="sng" dirty="0"/>
-              <a:t>Domain</a:t>
-            </a:r>
-          </a:p>
-        </p:txBody>
-      </p:sp>
-      <p:sp>
-        <p:nvSpPr>
-          <p:cNvPr id="3" name="Text Placeholder 2">
-            <a:extLst>
-              <a:ext uri="{FF2B5EF4-FFF2-40B4-BE49-F238E27FC236}">
-                <a16:creationId xmlns:a16="http://schemas.microsoft.com/office/drawing/2014/main" id="{85B49843-7627-7E43-9178-FB6B8ED66B06}"/>
-              </a:ext>
-            </a:extLst>
-          </p:cNvPr>
-          <p:cNvSpPr>
-            <a:spLocks noGrp="1"/>
-          </p:cNvSpPr>
-          <p:nvPr>
-            <p:ph type="body" idx="1"/>
-          </p:nvPr>
-        </p:nvSpPr>
-        <p:spPr>
-          <a:xfrm>
-            <a:off x="1024467" y="2164703"/>
-            <a:ext cx="10490200" cy="2432698"/>
-          </a:xfrm>
-        </p:spPr>
-        <p:txBody>
-          <a:bodyPr/>
-          <a:lstStyle/>
-          <a:p>
-            <a:endParaRPr lang="en-US" dirty="0"/>
-          </a:p>
-        </p:txBody>
-      </p:sp>
-    </p:spTree>
-    <p:extLst>
-      <p:ext uri="{BB962C8B-B14F-4D97-AF65-F5344CB8AC3E}">
-        <p14:creationId xmlns:p14="http://schemas.microsoft.com/office/powerpoint/2010/main" val="142891713"/>
       </p:ext>
     </p:extLst>
   </p:cSld>

--- a/Presentation/RAILWAY Presentation2.pptx
+++ b/Presentation/RAILWAY Presentation2.pptx
@@ -12,6 +12,7 @@
     <p:sldId id="259" r:id="rId6"/>
     <p:sldId id="263" r:id="rId7"/>
     <p:sldId id="264" r:id="rId8"/>
+    <p:sldId id="265" r:id="rId9"/>
   </p:sldIdLst>
   <p:sldSz cx="12192000" cy="6858000"/>
   <p:notesSz cx="6858000" cy="9144000"/>
@@ -7505,6 +7506,106 @@
 </p:sld>
 </file>
 
+<file path=ppt/slides/slide8.xml><?xml version="1.0" encoding="utf-8"?>
+<p:sld xmlns:a="http://schemas.openxmlformats.org/drawingml/2006/main" xmlns:r="http://schemas.openxmlformats.org/officeDocument/2006/relationships" xmlns:p="http://schemas.openxmlformats.org/presentationml/2006/main">
+  <p:cSld>
+    <p:spTree>
+      <p:nvGrpSpPr>
+        <p:cNvPr id="1" name=""/>
+        <p:cNvGrpSpPr/>
+        <p:nvPr/>
+      </p:nvGrpSpPr>
+      <p:grpSpPr>
+        <a:xfrm>
+          <a:off x="0" y="0"/>
+          <a:ext cx="0" cy="0"/>
+          <a:chOff x="0" y="0"/>
+          <a:chExt cx="0" cy="0"/>
+        </a:xfrm>
+      </p:grpSpPr>
+      <p:sp>
+        <p:nvSpPr>
+          <p:cNvPr id="2" name="Title 1">
+            <a:extLst>
+              <a:ext uri="{FF2B5EF4-FFF2-40B4-BE49-F238E27FC236}">
+                <a16:creationId xmlns:a16="http://schemas.microsoft.com/office/drawing/2014/main" id="{46DD6CC3-C409-B344-800D-E51EE786239E}"/>
+              </a:ext>
+            </a:extLst>
+          </p:cNvPr>
+          <p:cNvSpPr>
+            <a:spLocks noGrp="1"/>
+          </p:cNvSpPr>
+          <p:nvPr>
+            <p:ph type="ctrTitle"/>
+          </p:nvPr>
+        </p:nvSpPr>
+        <p:spPr>
+          <a:xfrm>
+            <a:off x="6273209" y="552894"/>
+            <a:ext cx="3934047" cy="956929"/>
+          </a:xfrm>
+        </p:spPr>
+        <p:txBody>
+          <a:bodyPr>
+            <a:normAutofit/>
+          </a:bodyPr>
+          <a:lstStyle/>
+          <a:p>
+            <a:r>
+              <a:rPr lang="en-US" sz="4800" i="1" u="sng" dirty="0"/>
+              <a:t>Domain</a:t>
+            </a:r>
+          </a:p>
+        </p:txBody>
+      </p:sp>
+      <p:sp>
+        <p:nvSpPr>
+          <p:cNvPr id="3" name="Subtitle 2">
+            <a:extLst>
+              <a:ext uri="{FF2B5EF4-FFF2-40B4-BE49-F238E27FC236}">
+                <a16:creationId xmlns:a16="http://schemas.microsoft.com/office/drawing/2014/main" id="{22CA3647-38DE-D344-9FE4-3AC1DDAF270D}"/>
+              </a:ext>
+            </a:extLst>
+          </p:cNvPr>
+          <p:cNvSpPr>
+            <a:spLocks noGrp="1"/>
+          </p:cNvSpPr>
+          <p:nvPr>
+            <p:ph type="subTitle" idx="1"/>
+          </p:nvPr>
+        </p:nvSpPr>
+        <p:spPr>
+          <a:xfrm>
+            <a:off x="1371600" y="2190307"/>
+            <a:ext cx="9448800" cy="2127694"/>
+          </a:xfrm>
+        </p:spPr>
+        <p:txBody>
+          <a:bodyPr>
+            <a:normAutofit/>
+          </a:bodyPr>
+          <a:lstStyle/>
+          <a:p>
+            <a:r>
+              <a:rPr lang="en-US" sz="2400" dirty="0"/>
+              <a:t>Customer centric web application in facilitating seamless scheduling between arrivals and departure times in  Ohio train stations.</a:t>
+            </a:r>
+          </a:p>
+        </p:txBody>
+      </p:sp>
+    </p:spTree>
+    <p:extLst>
+      <p:ext uri="{BB962C8B-B14F-4D97-AF65-F5344CB8AC3E}">
+        <p14:creationId xmlns:p14="http://schemas.microsoft.com/office/powerpoint/2010/main" val="387792309"/>
+      </p:ext>
+    </p:extLst>
+  </p:cSld>
+  <p:clrMapOvr>
+    <a:masterClrMapping/>
+  </p:clrMapOvr>
+</p:sld>
+</file>
+
 <file path=ppt/theme/theme1.xml><?xml version="1.0" encoding="utf-8"?>
 <a:theme xmlns:a="http://schemas.openxmlformats.org/drawingml/2006/main" name="Vapor Trail">
   <a:themeElements>

--- a/Presentation/RAILWAY Presentation2.pptx
+++ b/Presentation/RAILWAY Presentation2.pptx
@@ -6809,6 +6809,14 @@
 <file path=ppt/slides/slide5.xml><?xml version="1.0" encoding="utf-8"?>
 <p:sld xmlns:a="http://schemas.openxmlformats.org/drawingml/2006/main" xmlns:r="http://schemas.openxmlformats.org/officeDocument/2006/relationships" xmlns:p="http://schemas.openxmlformats.org/presentationml/2006/main">
   <p:cSld>
+    <p:bg>
+      <p:bgPr>
+        <a:solidFill>
+          <a:schemeClr val="bg1"/>
+        </a:solidFill>
+        <a:effectLst/>
+      </p:bgPr>
+    </p:bg>
     <p:spTree>
       <p:nvGrpSpPr>
         <p:cNvPr id="1" name=""/>
@@ -6823,6 +6831,111 @@
           <a:chExt cx="0" cy="0"/>
         </a:xfrm>
       </p:grpSpPr>
+      <p:sp useBgFill="1">
+        <p:nvSpPr>
+          <p:cNvPr id="10" name="Rectangle 9">
+            <a:extLst>
+              <a:ext uri="{FF2B5EF4-FFF2-40B4-BE49-F238E27FC236}">
+                <a16:creationId xmlns:a16="http://schemas.microsoft.com/office/drawing/2014/main" id="{CD94F7C0-1344-4B3C-AFCB-E7F006BB5348}"/>
+              </a:ext>
+              <a:ext uri="{C183D7F6-B498-43B3-948B-1728B52AA6E4}">
+                <adec:decorative xmlns:adec="http://schemas.microsoft.com/office/drawing/2017/decorative" val="1"/>
+              </a:ext>
+            </a:extLst>
+          </p:cNvPr>
+          <p:cNvSpPr>
+            <a:spLocks noGrp="1" noRot="1" noChangeAspect="1" noMove="1" noResize="1" noEditPoints="1" noAdjustHandles="1" noChangeArrowheads="1" noChangeShapeType="1" noTextEdit="1"/>
+          </p:cNvSpPr>
+          <p:nvPr>
+            <p:extLst>
+              <p:ext uri="{386F3935-93C4-4BCD-93E2-E3B085C9AB24}">
+                <p16:designElem xmlns:p16="http://schemas.microsoft.com/office/powerpoint/2015/main" val="1"/>
+              </p:ext>
+            </p:extLst>
+          </p:nvPr>
+        </p:nvSpPr>
+        <p:spPr>
+          <a:xfrm>
+            <a:off x="0" y="0"/>
+            <a:ext cx="12192000" cy="6858000"/>
+          </a:xfrm>
+          <a:prstGeom prst="rect">
+            <a:avLst/>
+          </a:prstGeom>
+          <a:ln>
+            <a:noFill/>
+          </a:ln>
+        </p:spPr>
+        <p:style>
+          <a:lnRef idx="2">
+            <a:schemeClr val="accent1">
+              <a:shade val="50000"/>
+            </a:schemeClr>
+          </a:lnRef>
+          <a:fillRef idx="1">
+            <a:schemeClr val="accent1"/>
+          </a:fillRef>
+          <a:effectRef idx="0">
+            <a:schemeClr val="accent1"/>
+          </a:effectRef>
+          <a:fontRef idx="minor">
+            <a:schemeClr val="lt1"/>
+          </a:fontRef>
+        </p:style>
+        <p:txBody>
+          <a:bodyPr rtlCol="0" anchor="ctr"/>
+          <a:lstStyle/>
+          <a:p>
+            <a:pPr algn="ctr"/>
+            <a:endParaRPr lang="en-US"/>
+          </a:p>
+        </p:txBody>
+      </p:sp>
+      <p:pic>
+        <p:nvPicPr>
+          <p:cNvPr id="12" name="Picture 11">
+            <a:extLst>
+              <a:ext uri="{FF2B5EF4-FFF2-40B4-BE49-F238E27FC236}">
+                <a16:creationId xmlns:a16="http://schemas.microsoft.com/office/drawing/2014/main" id="{4EC584A2-4215-4DB8-AE1F-E3768D77E8DE}"/>
+              </a:ext>
+              <a:ext uri="{C183D7F6-B498-43B3-948B-1728B52AA6E4}">
+                <adec:decorative xmlns:adec="http://schemas.microsoft.com/office/drawing/2017/decorative" val="1"/>
+              </a:ext>
+            </a:extLst>
+          </p:cNvPr>
+          <p:cNvPicPr>
+            <a:picLocks noGrp="1" noRot="1" noChangeAspect="1" noMove="1" noResize="1" noEditPoints="1" noAdjustHandles="1" noChangeArrowheads="1" noChangeShapeType="1" noCrop="1"/>
+          </p:cNvPicPr>
+          <p:nvPr>
+            <p:extLst>
+              <p:ext uri="{386F3935-93C4-4BCD-93E2-E3B085C9AB24}">
+                <p16:designElem xmlns:p16="http://schemas.microsoft.com/office/powerpoint/2015/main" val="1"/>
+              </p:ext>
+            </p:extLst>
+          </p:nvPr>
+        </p:nvPicPr>
+        <p:blipFill>
+          <a:blip r:embed="rId2">
+            <a:extLst>
+              <a:ext uri="{28A0092B-C50C-407E-A947-70E740481C1C}">
+                <a14:useLocalDpi xmlns:a14="http://schemas.microsoft.com/office/drawing/2010/main" val="0"/>
+              </a:ext>
+            </a:extLst>
+          </a:blip>
+          <a:stretch>
+            <a:fillRect/>
+          </a:stretch>
+        </p:blipFill>
+        <p:spPr>
+          <a:xfrm>
+            <a:off x="0" y="0"/>
+            <a:ext cx="12192000" cy="1441450"/>
+          </a:xfrm>
+          <a:prstGeom prst="rect">
+            <a:avLst/>
+          </a:prstGeom>
+        </p:spPr>
+      </p:pic>
       <p:sp>
         <p:nvSpPr>
           <p:cNvPr id="2" name="Title 1">
@@ -6839,14 +6952,21 @@
             <p:ph type="title"/>
           </p:nvPr>
         </p:nvSpPr>
-        <p:spPr/>
-        <p:txBody>
-          <a:bodyPr/>
-          <a:lstStyle/>
-          <a:p>
-            <a:pPr algn="ctr"/>
-            <a:r>
-              <a:rPr lang="en-US" i="1" u="sng" dirty="0"/>
+        <p:spPr>
+          <a:xfrm>
+            <a:off x="685799" y="764373"/>
+            <a:ext cx="3977639" cy="1600200"/>
+          </a:xfrm>
+        </p:spPr>
+        <p:txBody>
+          <a:bodyPr anchor="b">
+            <a:normAutofit/>
+          </a:bodyPr>
+          <a:lstStyle/>
+          <a:p>
+            <a:pPr algn="l"/>
+            <a:r>
+              <a:rPr lang="en-US" sz="3200" i="1" u="sng"/>
               <a:t>METHODOLOGIES</a:t>
             </a:r>
           </a:p>
@@ -6870,19 +6990,21 @@
         </p:nvSpPr>
         <p:spPr>
           <a:xfrm>
-            <a:off x="1560786" y="2238703"/>
-            <a:ext cx="9945414" cy="3979982"/>
-          </a:xfrm>
-        </p:spPr>
-        <p:txBody>
-          <a:bodyPr/>
-          <a:lstStyle/>
-          <a:p>
-            <a:endParaRPr lang="en-US" sz="2800" dirty="0"/>
-          </a:p>
-          <a:p>
-            <a:r>
-              <a:rPr lang="en-US" sz="2800" dirty="0"/>
+            <a:off x="685800" y="2364573"/>
+            <a:ext cx="3977639" cy="3854112"/>
+          </a:xfrm>
+        </p:spPr>
+        <p:txBody>
+          <a:bodyPr>
+            <a:normAutofit/>
+          </a:bodyPr>
+          <a:lstStyle/>
+          <a:p>
+            <a:endParaRPr lang="en-US" sz="1600"/>
+          </a:p>
+          <a:p>
+            <a:r>
+              <a:rPr lang="en-US" sz="1600"/>
               <a:t>Agile-waterfall Hybrid  Methodology</a:t>
             </a:r>
           </a:p>
@@ -6890,25 +7012,58 @@
             <a:pPr marL="0" indent="0">
               <a:buNone/>
             </a:pPr>
-            <a:endParaRPr lang="en-US" sz="2800" dirty="0"/>
+            <a:endParaRPr lang="en-US" sz="1600"/>
           </a:p>
           <a:p>
             <a:pPr marL="0" indent="0">
               <a:buNone/>
             </a:pPr>
-            <a:endParaRPr lang="en-US" dirty="0"/>
+            <a:endParaRPr lang="en-US" sz="1600"/>
           </a:p>
           <a:p>
             <a:pPr marL="0" indent="0">
               <a:buNone/>
             </a:pPr>
             <a:r>
-              <a:rPr lang="en-US" dirty="0"/>
+              <a:rPr lang="en-US" sz="1600"/>
               <a:t> </a:t>
             </a:r>
           </a:p>
         </p:txBody>
       </p:sp>
+      <p:pic>
+        <p:nvPicPr>
+          <p:cNvPr id="5" name="Picture 4" descr="Diagram&#10;&#10;Description automatically generated">
+            <a:extLst>
+              <a:ext uri="{FF2B5EF4-FFF2-40B4-BE49-F238E27FC236}">
+                <a16:creationId xmlns:a16="http://schemas.microsoft.com/office/drawing/2014/main" id="{75C6C39F-2264-A54C-AEE8-BC7E13F5ACA1}"/>
+              </a:ext>
+            </a:extLst>
+          </p:cNvPr>
+          <p:cNvPicPr>
+            <a:picLocks noChangeAspect="1"/>
+          </p:cNvPicPr>
+          <p:nvPr/>
+        </p:nvPicPr>
+        <p:blipFill>
+          <a:blip r:embed="rId3"/>
+          <a:stretch>
+            <a:fillRect/>
+          </a:stretch>
+        </p:blipFill>
+        <p:spPr>
+          <a:xfrm>
+            <a:off x="5133148" y="746126"/>
+            <a:ext cx="6212602" cy="5472558"/>
+          </a:xfrm>
+          <a:prstGeom prst="rect">
+            <a:avLst/>
+          </a:prstGeom>
+          <a:effectLst>
+            <a:reflection blurRad="6350" stA="52000" endA="300" endPos="35000" dir="5400000" sy="-100000" algn="bl" rotWithShape="0"/>
+          </a:effectLst>
+        </p:spPr>
+      </p:pic>
     </p:spTree>
     <p:extLst>
       <p:ext uri="{BB962C8B-B14F-4D97-AF65-F5344CB8AC3E}">

--- a/Presentation/RAILWAY Presentation2.pptx
+++ b/Presentation/RAILWAY Presentation2.pptx
@@ -6243,6 +6243,14 @@
 <file path=ppt/slides/slide2.xml><?xml version="1.0" encoding="utf-8"?>
 <p:sld xmlns:a="http://schemas.openxmlformats.org/drawingml/2006/main" xmlns:r="http://schemas.openxmlformats.org/officeDocument/2006/relationships" xmlns:p="http://schemas.openxmlformats.org/presentationml/2006/main">
   <p:cSld>
+    <p:bg>
+      <p:bgPr>
+        <a:solidFill>
+          <a:schemeClr val="bg1"/>
+        </a:solidFill>
+        <a:effectLst/>
+      </p:bgPr>
+    </p:bg>
     <p:spTree>
       <p:nvGrpSpPr>
         <p:cNvPr id="1" name=""/>
@@ -6259,6 +6267,118 @@
       </p:grpSpPr>
       <p:sp>
         <p:nvSpPr>
+          <p:cNvPr id="14" name="Rectangle 13">
+            <a:extLst>
+              <a:ext uri="{FF2B5EF4-FFF2-40B4-BE49-F238E27FC236}">
+                <a16:creationId xmlns:a16="http://schemas.microsoft.com/office/drawing/2014/main" id="{03FFF8D3-2EF3-4286-935A-D01BE3C85333}"/>
+              </a:ext>
+              <a:ext uri="{C183D7F6-B498-43B3-948B-1728B52AA6E4}">
+                <adec:decorative xmlns:adec="http://schemas.microsoft.com/office/drawing/2017/decorative" val="1"/>
+              </a:ext>
+            </a:extLst>
+          </p:cNvPr>
+          <p:cNvSpPr>
+            <a:spLocks noGrp="1" noRot="1" noChangeAspect="1" noMove="1" noResize="1" noEditPoints="1" noAdjustHandles="1" noChangeArrowheads="1" noChangeShapeType="1" noTextEdit="1"/>
+          </p:cNvSpPr>
+          <p:nvPr>
+            <p:extLst>
+              <p:ext uri="{386F3935-93C4-4BCD-93E2-E3B085C9AB24}">
+                <p16:designElem xmlns:p16="http://schemas.microsoft.com/office/powerpoint/2015/main" val="1"/>
+              </p:ext>
+            </p:extLst>
+          </p:nvPr>
+        </p:nvSpPr>
+        <p:spPr>
+          <a:xfrm>
+            <a:off x="0" y="0"/>
+            <a:ext cx="12192000" cy="6858000"/>
+          </a:xfrm>
+          <a:prstGeom prst="rect">
+            <a:avLst/>
+          </a:prstGeom>
+          <a:solidFill>
+            <a:schemeClr val="tx1"/>
+          </a:solidFill>
+          <a:ln>
+            <a:noFill/>
+          </a:ln>
+        </p:spPr>
+        <p:style>
+          <a:lnRef idx="2">
+            <a:schemeClr val="accent1">
+              <a:shade val="50000"/>
+            </a:schemeClr>
+          </a:lnRef>
+          <a:fillRef idx="1">
+            <a:schemeClr val="accent1"/>
+          </a:fillRef>
+          <a:effectRef idx="0">
+            <a:schemeClr val="accent1"/>
+          </a:effectRef>
+          <a:fontRef idx="minor">
+            <a:schemeClr val="lt1"/>
+          </a:fontRef>
+        </p:style>
+        <p:txBody>
+          <a:bodyPr rtlCol="0" anchor="ctr"/>
+          <a:lstStyle/>
+          <a:p>
+            <a:pPr algn="ctr"/>
+            <a:endParaRPr lang="en-US">
+              <a:solidFill>
+                <a:schemeClr val="tx1"/>
+              </a:solidFill>
+            </a:endParaRPr>
+          </a:p>
+        </p:txBody>
+      </p:sp>
+      <p:pic>
+        <p:nvPicPr>
+          <p:cNvPr id="16" name="Picture 15">
+            <a:extLst>
+              <a:ext uri="{FF2B5EF4-FFF2-40B4-BE49-F238E27FC236}">
+                <a16:creationId xmlns:a16="http://schemas.microsoft.com/office/drawing/2014/main" id="{CD8CCB43-545E-4064-8BB8-5C492D0F5F57}"/>
+              </a:ext>
+              <a:ext uri="{C183D7F6-B498-43B3-948B-1728B52AA6E4}">
+                <adec:decorative xmlns:adec="http://schemas.microsoft.com/office/drawing/2017/decorative" val="1"/>
+              </a:ext>
+            </a:extLst>
+          </p:cNvPr>
+          <p:cNvPicPr>
+            <a:picLocks noGrp="1" noRot="1" noChangeAspect="1" noMove="1" noResize="1" noEditPoints="1" noAdjustHandles="1" noChangeArrowheads="1" noChangeShapeType="1" noCrop="1"/>
+          </p:cNvPicPr>
+          <p:nvPr>
+            <p:extLst>
+              <p:ext uri="{386F3935-93C4-4BCD-93E2-E3B085C9AB24}">
+                <p16:designElem xmlns:p16="http://schemas.microsoft.com/office/powerpoint/2015/main" val="1"/>
+              </p:ext>
+            </p:extLst>
+          </p:nvPr>
+        </p:nvPicPr>
+        <p:blipFill>
+          <a:blip r:embed="rId2">
+            <a:extLst>
+              <a:ext uri="{28A0092B-C50C-407E-A947-70E740481C1C}">
+                <a14:useLocalDpi xmlns:a14="http://schemas.microsoft.com/office/drawing/2010/main" val="0"/>
+              </a:ext>
+            </a:extLst>
+          </a:blip>
+          <a:stretch>
+            <a:fillRect/>
+          </a:stretch>
+        </p:blipFill>
+        <p:spPr>
+          <a:xfrm>
+            <a:off x="0" y="0"/>
+            <a:ext cx="12192000" cy="1441450"/>
+          </a:xfrm>
+          <a:prstGeom prst="rect">
+            <a:avLst/>
+          </a:prstGeom>
+        </p:spPr>
+      </p:pic>
+      <p:sp>
+        <p:nvSpPr>
           <p:cNvPr id="2" name="Title 1">
             <a:extLst>
               <a:ext uri="{FF2B5EF4-FFF2-40B4-BE49-F238E27FC236}">
@@ -6275,8 +6395,8 @@
         </p:nvSpPr>
         <p:spPr>
           <a:xfrm>
-            <a:off x="4597400" y="685801"/>
-            <a:ext cx="6897914" cy="1193800"/>
+            <a:off x="1722474" y="764373"/>
+            <a:ext cx="2270070" cy="1293028"/>
           </a:xfrm>
         </p:spPr>
         <p:txBody>
@@ -6287,63 +6407,150 @@
           <a:p>
             <a:pPr algn="ctr"/>
             <a:r>
-              <a:rPr lang="en-US" i="1" u="sng" dirty="0"/>
+              <a:rPr lang="en-US" sz="3200" i="1" u="sng" dirty="0">
+                <a:solidFill>
+                  <a:schemeClr val="bg1"/>
+                </a:solidFill>
+              </a:rPr>
               <a:t>Team 3</a:t>
             </a:r>
+          </a:p>
+        </p:txBody>
+      </p:sp>
+      <p:sp>
+        <p:nvSpPr>
+          <p:cNvPr id="11" name="Content Placeholder 10">
+            <a:extLst>
+              <a:ext uri="{FF2B5EF4-FFF2-40B4-BE49-F238E27FC236}">
+                <a16:creationId xmlns:a16="http://schemas.microsoft.com/office/drawing/2014/main" id="{1859CBFB-431B-4DC7-913F-D0143E87DF75}"/>
+              </a:ext>
+            </a:extLst>
+          </p:cNvPr>
+          <p:cNvSpPr>
+            <a:spLocks noGrp="1"/>
+          </p:cNvSpPr>
+          <p:nvPr>
+            <p:ph idx="1"/>
+          </p:nvPr>
+        </p:nvSpPr>
+        <p:spPr>
+          <a:xfrm>
+            <a:off x="685801" y="2194560"/>
+            <a:ext cx="3306742" cy="4024125"/>
+          </a:xfrm>
+        </p:spPr>
+        <p:txBody>
+          <a:bodyPr>
+            <a:normAutofit/>
+          </a:bodyPr>
+          <a:lstStyle/>
+          <a:p>
+            <a:endParaRPr lang="en-US" sz="1600">
+              <a:solidFill>
+                <a:schemeClr val="bg1"/>
+              </a:solidFill>
+            </a:endParaRPr>
+          </a:p>
+        </p:txBody>
+      </p:sp>
+      <p:sp useBgFill="1">
+        <p:nvSpPr>
+          <p:cNvPr id="18" name="Rounded Rectangle 14">
+            <a:extLst>
+              <a:ext uri="{FF2B5EF4-FFF2-40B4-BE49-F238E27FC236}">
+                <a16:creationId xmlns:a16="http://schemas.microsoft.com/office/drawing/2014/main" id="{E6C57836-126B-4938-8C7A-3C3BCB59D383}"/>
+              </a:ext>
+              <a:ext uri="{C183D7F6-B498-43B3-948B-1728B52AA6E4}">
+                <adec:decorative xmlns:adec="http://schemas.microsoft.com/office/drawing/2017/decorative" val="1"/>
+              </a:ext>
+            </a:extLst>
+          </p:cNvPr>
+          <p:cNvSpPr>
+            <a:spLocks noGrp="1" noRot="1" noChangeAspect="1" noMove="1" noResize="1" noEditPoints="1" noAdjustHandles="1" noChangeArrowheads="1" noChangeShapeType="1" noTextEdit="1"/>
+          </p:cNvSpPr>
+          <p:nvPr>
+            <p:extLst>
+              <p:ext uri="{386F3935-93C4-4BCD-93E2-E3B085C9AB24}">
+                <p16:designElem xmlns:p16="http://schemas.microsoft.com/office/powerpoint/2015/main" val="1"/>
+              </p:ext>
+            </p:extLst>
+          </p:nvPr>
+        </p:nvSpPr>
+        <p:spPr>
+          <a:xfrm>
+            <a:off x="4636008" y="1066164"/>
+            <a:ext cx="6765949" cy="5148371"/>
+          </a:xfrm>
+          <a:prstGeom prst="roundRect">
+            <a:avLst>
+              <a:gd name="adj" fmla="val 2403"/>
+            </a:avLst>
+          </a:prstGeom>
+          <a:ln>
+            <a:noFill/>
+          </a:ln>
+          <a:effectLst>
+            <a:innerShdw blurRad="114300">
+              <a:prstClr val="black"/>
+            </a:innerShdw>
+          </a:effectLst>
+        </p:spPr>
+        <p:style>
+          <a:lnRef idx="2">
+            <a:schemeClr val="accent1">
+              <a:shade val="50000"/>
+            </a:schemeClr>
+          </a:lnRef>
+          <a:fillRef idx="1">
+            <a:schemeClr val="accent1"/>
+          </a:fillRef>
+          <a:effectRef idx="0">
+            <a:schemeClr val="accent1"/>
+          </a:effectRef>
+          <a:fontRef idx="minor">
+            <a:schemeClr val="lt1"/>
+          </a:fontRef>
+        </p:style>
+        <p:txBody>
+          <a:bodyPr rtlCol="0" anchor="ctr"/>
+          <a:lstStyle/>
+          <a:p>
+            <a:pPr algn="ctr"/>
+            <a:endParaRPr lang="en-US"/>
           </a:p>
         </p:txBody>
       </p:sp>
       <p:pic>
         <p:nvPicPr>
-          <p:cNvPr id="6" name="Content Placeholder 5">
+          <p:cNvPr id="7" name="Content Placeholder 6" descr="Diagram&#10;&#10;Description automatically generated">
             <a:extLst>
               <a:ext uri="{FF2B5EF4-FFF2-40B4-BE49-F238E27FC236}">
-                <a16:creationId xmlns:a16="http://schemas.microsoft.com/office/drawing/2014/main" id="{71CE9376-BAB1-CD42-A3A5-CD7DE30D2592}"/>
+                <a16:creationId xmlns:a16="http://schemas.microsoft.com/office/drawing/2014/main" id="{7BA1B1D3-CE16-544C-91FC-B0FA2EC294EB}"/>
               </a:ext>
             </a:extLst>
           </p:cNvPr>
           <p:cNvPicPr>
-            <a:picLocks noGrp="1" noChangeAspect="1"/>
+            <a:picLocks noChangeAspect="1"/>
           </p:cNvPicPr>
-          <p:nvPr>
-            <p:ph idx="1"/>
-          </p:nvPr>
+          <p:nvPr/>
         </p:nvPicPr>
         <p:blipFill>
-          <a:blip r:embed="rId2"/>
+          <a:blip r:embed="rId3"/>
           <a:stretch>
             <a:fillRect/>
           </a:stretch>
         </p:blipFill>
         <p:spPr>
           <a:xfrm>
-            <a:off x="2723975" y="1879602"/>
-            <a:ext cx="7961531" cy="4256502"/>
-          </a:xfrm>
+            <a:off x="4678344" y="2194560"/>
+            <a:ext cx="6404282" cy="3192066"/>
+          </a:xfrm>
+          <a:prstGeom prst="rect">
+            <a:avLst/>
+          </a:prstGeom>
           <a:effectLst>
-            <a:glow rad="139700">
-              <a:schemeClr val="accent1">
-                <a:satMod val="175000"/>
-                <a:alpha val="40000"/>
-              </a:schemeClr>
-            </a:glow>
-            <a:outerShdw blurRad="50800" dist="38100" dir="8100000" algn="tr" rotWithShape="0">
-              <a:prstClr val="black">
-                <a:alpha val="40000"/>
-              </a:prstClr>
-            </a:outerShdw>
-            <a:reflection blurRad="6350" stA="52000" endA="300" endPos="35000" dir="5400000" sy="-100000" algn="bl" rotWithShape="0"/>
-            <a:softEdge rad="533400"/>
+            <a:reflection blurRad="6350" stA="50000" endA="300" endPos="55000" dir="5400000" sy="-100000" algn="bl" rotWithShape="0"/>
           </a:effectLst>
-          <a:scene3d>
-            <a:camera prst="orthographicFront">
-              <a:rot lat="0" lon="21299956" rev="0"/>
-            </a:camera>
-            <a:lightRig rig="threePt" dir="t"/>
-          </a:scene3d>
-          <a:sp3d>
-            <a:bevelT prst="slope"/>
-          </a:sp3d>
         </p:spPr>
       </p:pic>
     </p:spTree>
@@ -6354,7 +6561,7 @@
     </p:extLst>
   </p:cSld>
   <p:clrMapOvr>
-    <a:masterClrMapping/>
+    <a:overrideClrMapping bg1="lt1" tx1="dk1" bg2="lt2" tx2="dk2" accent1="accent1" accent2="accent2" accent3="accent3" accent4="accent4" accent5="accent5" accent6="accent6" hlink="hlink" folHlink="folHlink"/>
   </p:clrMapOvr>
   <mc:AlternateContent xmlns:mc="http://schemas.openxmlformats.org/markup-compatibility/2006" xmlns:p14="http://schemas.microsoft.com/office/powerpoint/2010/main">
     <mc:Choice Requires="p14">
